--- a/Spectral simulation and AI.pptx
+++ b/Spectral simulation and AI.pptx
@@ -5,7 +5,7 @@
     <p:sldMasterId id="2147483648" r:id="rId1"/>
   </p:sldMasterIdLst>
   <p:notesMasterIdLst>
-    <p:notesMasterId r:id="rId33"/>
+    <p:notesMasterId r:id="rId32"/>
   </p:notesMasterIdLst>
   <p:sldIdLst>
     <p:sldId id="256" r:id="rId2"/>
@@ -38,7 +38,6 @@
     <p:sldId id="288" r:id="rId29"/>
     <p:sldId id="289" r:id="rId30"/>
     <p:sldId id="258" r:id="rId31"/>
-    <p:sldId id="293" r:id="rId32"/>
   </p:sldIdLst>
   <p:sldSz cx="9144000" cy="6858000" type="screen4x3"/>
   <p:notesSz cx="6858000" cy="9144000"/>
@@ -5735,17 +5734,14 @@
               </a:rPr>
               <a:t>Deykin</a:t>
             </a:r>
-            <a:r>
-              <a:rPr lang="en-US" dirty="0" smtClean="0">
-                <a:solidFill>
-                  <a:schemeClr val="tx1">
-                    <a:lumMod val="65000"/>
-                    <a:lumOff val="35000"/>
-                  </a:schemeClr>
-                </a:solidFill>
-              </a:rPr>
-              <a:t> </a:t>
-            </a:r>
+            <a:endParaRPr lang="en-US" dirty="0" smtClean="0">
+              <a:solidFill>
+                <a:schemeClr val="tx1">
+                  <a:lumMod val="65000"/>
+                  <a:lumOff val="35000"/>
+                </a:schemeClr>
+              </a:solidFill>
+            </a:endParaRPr>
           </a:p>
           <a:p>
             <a:r>
@@ -19566,78 +19562,6 @@
 </p:sld>
 </file>
 
-<file path=ppt/slides/slide31.xml><?xml version="1.0" encoding="utf-8"?>
-<p:sld xmlns:a="http://schemas.openxmlformats.org/drawingml/2006/main" xmlns:r="http://schemas.openxmlformats.org/officeDocument/2006/relationships" xmlns:p="http://schemas.openxmlformats.org/presentationml/2006/main">
-  <p:cSld>
-    <p:spTree>
-      <p:nvGrpSpPr>
-        <p:cNvPr id="1" name=""/>
-        <p:cNvGrpSpPr/>
-        <p:nvPr/>
-      </p:nvGrpSpPr>
-      <p:grpSpPr>
-        <a:xfrm>
-          <a:off x="0" y="0"/>
-          <a:ext cx="0" cy="0"/>
-          <a:chOff x="0" y="0"/>
-          <a:chExt cx="0" cy="0"/>
-        </a:xfrm>
-      </p:grpSpPr>
-      <p:sp>
-        <p:nvSpPr>
-          <p:cNvPr id="2" name="Заголовок 1"/>
-          <p:cNvSpPr>
-            <a:spLocks noGrp="1"/>
-          </p:cNvSpPr>
-          <p:nvPr>
-            <p:ph type="title"/>
-          </p:nvPr>
-        </p:nvSpPr>
-        <p:spPr/>
-        <p:txBody>
-          <a:bodyPr/>
-          <a:lstStyle/>
-          <a:p>
-            <a:r>
-              <a:rPr lang="en-US" dirty="0" smtClean="0"/>
-              <a:t>Further reading</a:t>
-            </a:r>
-            <a:endParaRPr lang="ru-RU" dirty="0"/>
-          </a:p>
-        </p:txBody>
-      </p:sp>
-      <p:sp>
-        <p:nvSpPr>
-          <p:cNvPr id="3" name="Объект 2"/>
-          <p:cNvSpPr>
-            <a:spLocks noGrp="1"/>
-          </p:cNvSpPr>
-          <p:nvPr>
-            <p:ph idx="1"/>
-          </p:nvPr>
-        </p:nvSpPr>
-        <p:spPr/>
-        <p:txBody>
-          <a:bodyPr/>
-          <a:lstStyle/>
-          <a:p>
-            <a:endParaRPr lang="ru-RU"/>
-          </a:p>
-        </p:txBody>
-      </p:sp>
-    </p:spTree>
-    <p:extLst>
-      <p:ext uri="{BB962C8B-B14F-4D97-AF65-F5344CB8AC3E}">
-        <p14:creationId xmlns:p14="http://schemas.microsoft.com/office/powerpoint/2010/main" val="673477886"/>
-      </p:ext>
-    </p:extLst>
-  </p:cSld>
-  <p:clrMapOvr>
-    <a:masterClrMapping/>
-  </p:clrMapOvr>
-</p:sld>
-</file>
-
 <file path=ppt/slides/slide4.xml><?xml version="1.0" encoding="utf-8"?>
 <p:sld xmlns:a="http://schemas.openxmlformats.org/drawingml/2006/main" xmlns:r="http://schemas.openxmlformats.org/officeDocument/2006/relationships" xmlns:p="http://schemas.openxmlformats.org/presentationml/2006/main">
   <p:cSld>

--- a/Spectral simulation and AI.pptx
+++ b/Spectral simulation and AI.pptx
@@ -5,10 +5,10 @@
     <p:sldMasterId id="2147483648" r:id="rId1"/>
   </p:sldMasterIdLst>
   <p:notesMasterIdLst>
-    <p:notesMasterId r:id="rId32"/>
+    <p:notesMasterId r:id="rId31"/>
   </p:notesMasterIdLst>
   <p:sldIdLst>
-    <p:sldId id="256" r:id="rId2"/>
+    <p:sldId id="293" r:id="rId2"/>
     <p:sldId id="260" r:id="rId3"/>
     <p:sldId id="262" r:id="rId4"/>
     <p:sldId id="263" r:id="rId5"/>
@@ -32,12 +32,11 @@
     <p:sldId id="280" r:id="rId23"/>
     <p:sldId id="278" r:id="rId24"/>
     <p:sldId id="281" r:id="rId25"/>
-    <p:sldId id="282" r:id="rId26"/>
-    <p:sldId id="283" r:id="rId27"/>
-    <p:sldId id="287" r:id="rId28"/>
-    <p:sldId id="288" r:id="rId29"/>
-    <p:sldId id="289" r:id="rId30"/>
-    <p:sldId id="258" r:id="rId31"/>
+    <p:sldId id="283" r:id="rId26"/>
+    <p:sldId id="287" r:id="rId27"/>
+    <p:sldId id="288" r:id="rId28"/>
+    <p:sldId id="289" r:id="rId29"/>
+    <p:sldId id="258" r:id="rId30"/>
   </p:sldIdLst>
   <p:sldSz cx="9144000" cy="6858000" type="screen4x3"/>
   <p:notesSz cx="6858000" cy="9144000"/>
@@ -221,7 +220,7 @@
           <a:p>
             <a:fld id="{77EC6B91-DB3B-42D4-BB13-67F52944386F}" type="datetimeFigureOut">
               <a:rPr lang="ru-RU" smtClean="0"/>
-              <a:t>12.07.2023</a:t>
+              <a:t>17.07.2023</a:t>
             </a:fld>
             <a:endParaRPr lang="ru-RU"/>
           </a:p>
@@ -1762,7 +1761,7 @@
           <a:p>
             <a:fld id="{A0498F27-C43E-41C1-BCC7-132C7C855981}" type="slidenum">
               <a:rPr lang="ru-RU" smtClean="0"/>
-              <a:t>27</a:t>
+              <a:t>26</a:t>
             </a:fld>
             <a:endParaRPr lang="ru-RU"/>
           </a:p>
@@ -1854,7 +1853,7 @@
           <a:p>
             <a:fld id="{A0498F27-C43E-41C1-BCC7-132C7C855981}" type="slidenum">
               <a:rPr lang="ru-RU" smtClean="0"/>
-              <a:t>28</a:t>
+              <a:t>27</a:t>
             </a:fld>
             <a:endParaRPr lang="ru-RU"/>
           </a:p>
@@ -1946,7 +1945,7 @@
           <a:p>
             <a:fld id="{A0498F27-C43E-41C1-BCC7-132C7C855981}" type="slidenum">
               <a:rPr lang="ru-RU" smtClean="0"/>
-              <a:t>29</a:t>
+              <a:t>28</a:t>
             </a:fld>
             <a:endParaRPr lang="ru-RU"/>
           </a:p>
@@ -2038,7 +2037,7 @@
           <a:p>
             <a:fld id="{A0498F27-C43E-41C1-BCC7-132C7C855981}" type="slidenum">
               <a:rPr lang="ru-RU" smtClean="0"/>
-              <a:t>30</a:t>
+              <a:t>29</a:t>
             </a:fld>
             <a:endParaRPr lang="ru-RU"/>
           </a:p>
@@ -2906,7 +2905,7 @@
           <a:p>
             <a:fld id="{B4C71EC6-210F-42DE-9C53-41977AD35B3D}" type="datetimeFigureOut">
               <a:rPr lang="ru-RU" smtClean="0"/>
-              <a:t>12.07.2023</a:t>
+              <a:t>17.07.2023</a:t>
             </a:fld>
             <a:endParaRPr lang="ru-RU"/>
           </a:p>
@@ -3071,7 +3070,7 @@
           <a:p>
             <a:fld id="{B4C71EC6-210F-42DE-9C53-41977AD35B3D}" type="datetimeFigureOut">
               <a:rPr lang="ru-RU" smtClean="0"/>
-              <a:t>12.07.2023</a:t>
+              <a:t>17.07.2023</a:t>
             </a:fld>
             <a:endParaRPr lang="ru-RU"/>
           </a:p>
@@ -3246,7 +3245,7 @@
           <a:p>
             <a:fld id="{B4C71EC6-210F-42DE-9C53-41977AD35B3D}" type="datetimeFigureOut">
               <a:rPr lang="ru-RU" smtClean="0"/>
-              <a:t>12.07.2023</a:t>
+              <a:t>17.07.2023</a:t>
             </a:fld>
             <a:endParaRPr lang="ru-RU"/>
           </a:p>
@@ -3411,7 +3410,7 @@
           <a:p>
             <a:fld id="{B4C71EC6-210F-42DE-9C53-41977AD35B3D}" type="datetimeFigureOut">
               <a:rPr lang="ru-RU" smtClean="0"/>
-              <a:t>12.07.2023</a:t>
+              <a:t>17.07.2023</a:t>
             </a:fld>
             <a:endParaRPr lang="ru-RU"/>
           </a:p>
@@ -3652,7 +3651,7 @@
           <a:p>
             <a:fld id="{B4C71EC6-210F-42DE-9C53-41977AD35B3D}" type="datetimeFigureOut">
               <a:rPr lang="ru-RU" smtClean="0"/>
-              <a:t>12.07.2023</a:t>
+              <a:t>17.07.2023</a:t>
             </a:fld>
             <a:endParaRPr lang="ru-RU"/>
           </a:p>
@@ -3935,7 +3934,7 @@
           <a:p>
             <a:fld id="{B4C71EC6-210F-42DE-9C53-41977AD35B3D}" type="datetimeFigureOut">
               <a:rPr lang="ru-RU" smtClean="0"/>
-              <a:t>12.07.2023</a:t>
+              <a:t>17.07.2023</a:t>
             </a:fld>
             <a:endParaRPr lang="ru-RU"/>
           </a:p>
@@ -4352,7 +4351,7 @@
           <a:p>
             <a:fld id="{B4C71EC6-210F-42DE-9C53-41977AD35B3D}" type="datetimeFigureOut">
               <a:rPr lang="ru-RU" smtClean="0"/>
-              <a:t>12.07.2023</a:t>
+              <a:t>17.07.2023</a:t>
             </a:fld>
             <a:endParaRPr lang="ru-RU"/>
           </a:p>
@@ -4465,7 +4464,7 @@
           <a:p>
             <a:fld id="{B4C71EC6-210F-42DE-9C53-41977AD35B3D}" type="datetimeFigureOut">
               <a:rPr lang="ru-RU" smtClean="0"/>
-              <a:t>12.07.2023</a:t>
+              <a:t>17.07.2023</a:t>
             </a:fld>
             <a:endParaRPr lang="ru-RU"/>
           </a:p>
@@ -4555,7 +4554,7 @@
           <a:p>
             <a:fld id="{B4C71EC6-210F-42DE-9C53-41977AD35B3D}" type="datetimeFigureOut">
               <a:rPr lang="ru-RU" smtClean="0"/>
-              <a:t>12.07.2023</a:t>
+              <a:t>17.07.2023</a:t>
             </a:fld>
             <a:endParaRPr lang="ru-RU"/>
           </a:p>
@@ -4827,7 +4826,7 @@
           <a:p>
             <a:fld id="{B4C71EC6-210F-42DE-9C53-41977AD35B3D}" type="datetimeFigureOut">
               <a:rPr lang="ru-RU" smtClean="0"/>
-              <a:t>12.07.2023</a:t>
+              <a:t>17.07.2023</a:t>
             </a:fld>
             <a:endParaRPr lang="ru-RU"/>
           </a:p>
@@ -5075,7 +5074,7 @@
           <a:p>
             <a:fld id="{B4C71EC6-210F-42DE-9C53-41977AD35B3D}" type="datetimeFigureOut">
               <a:rPr lang="ru-RU" smtClean="0"/>
-              <a:t>12.07.2023</a:t>
+              <a:t>17.07.2023</a:t>
             </a:fld>
             <a:endParaRPr lang="ru-RU"/>
           </a:p>
@@ -5283,7 +5282,7 @@
           <a:p>
             <a:fld id="{B4C71EC6-210F-42DE-9C53-41977AD35B3D}" type="datetimeFigureOut">
               <a:rPr lang="ru-RU" smtClean="0"/>
-              <a:t>12.07.2023</a:t>
+              <a:t>17.07.2023</a:t>
             </a:fld>
             <a:endParaRPr lang="ru-RU"/>
           </a:p>
@@ -5708,7 +5707,7 @@
         </p:spPr>
         <p:txBody>
           <a:bodyPr>
-            <a:normAutofit fontScale="92500"/>
+            <a:normAutofit fontScale="92500" lnSpcReduction="20000"/>
           </a:bodyPr>
           <a:lstStyle/>
           <a:p>
@@ -5748,6 +5747,19 @@
               <a:rPr lang="en-US" dirty="0" smtClean="0">
                 <a:solidFill>
                   <a:schemeClr val="tx1">
+                    <a:lumMod val="65000"/>
+                    <a:lumOff val="35000"/>
+                  </a:schemeClr>
+                </a:solidFill>
+              </a:rPr>
+              <a:t>ideykin@mail.ru</a:t>
+            </a:r>
+          </a:p>
+          <a:p>
+            <a:r>
+              <a:rPr lang="en-US" dirty="0" smtClean="0">
+                <a:solidFill>
+                  <a:schemeClr val="tx1">
                     <a:lumMod val="50000"/>
                     <a:lumOff val="50000"/>
                   </a:schemeClr>
@@ -5816,13 +5828,13 @@
       </p:sp>
       <p:pic>
         <p:nvPicPr>
-          <p:cNvPr id="1027" name="Picture 3"/>
+          <p:cNvPr id="1026" name="Picture 2" descr="https://slavtkani.ru/image/cache/data/hlopok/cvety-iv/IMG_7698-800x6001.JPG"/>
           <p:cNvPicPr>
             <a:picLocks noChangeAspect="1" noChangeArrowheads="1"/>
           </p:cNvPicPr>
           <p:nvPr/>
         </p:nvPicPr>
-        <p:blipFill>
+        <p:blipFill rotWithShape="1">
           <a:blip r:embed="rId3">
             <a:extLst>
               <a:ext uri="{28A0092B-C50C-407E-A947-70E740481C1C}">
@@ -5830,40 +5842,25 @@
               </a:ext>
             </a:extLst>
           </a:blip>
-          <a:srcRect/>
-          <a:stretch>
-            <a:fillRect/>
-          </a:stretch>
+          <a:srcRect l="9947" t="2053" b="88852"/>
+          <a:stretch/>
         </p:blipFill>
         <p:spPr bwMode="auto">
-          <a:xfrm>
-            <a:off x="-6339" y="-782"/>
-            <a:ext cx="519758" cy="6858782"/>
+          <a:xfrm rot="16200000">
+            <a:off x="-3215113" y="3171155"/>
+            <a:ext cx="6862069" cy="519760"/>
           </a:xfrm>
           <a:prstGeom prst="rect">
             <a:avLst/>
           </a:prstGeom>
           <a:noFill/>
-          <a:ln>
-            <a:noFill/>
-          </a:ln>
           <a:extLst>
             <a:ext uri="{909E8E84-426E-40DD-AFC4-6F175D3DCCD1}">
               <a14:hiddenFill xmlns:a14="http://schemas.microsoft.com/office/drawing/2010/main">
                 <a:solidFill>
-                  <a:schemeClr val="accent1"/>
+                  <a:srgbClr val="FFFFFF"/>
                 </a:solidFill>
               </a14:hiddenFill>
-            </a:ext>
-            <a:ext uri="{91240B29-F687-4F45-9708-019B960494DF}">
-              <a14:hiddenLine xmlns:a14="http://schemas.microsoft.com/office/drawing/2010/main" w="9525">
-                <a:solidFill>
-                  <a:schemeClr val="tx1"/>
-                </a:solidFill>
-                <a:miter lim="800000"/>
-                <a:headEnd/>
-                <a:tailEnd/>
-              </a14:hiddenLine>
             </a:ext>
           </a:extLst>
         </p:spPr>
@@ -5871,7 +5868,7 @@
     </p:spTree>
     <p:extLst>
       <p:ext uri="{BB962C8B-B14F-4D97-AF65-F5344CB8AC3E}">
-        <p14:creationId xmlns:p14="http://schemas.microsoft.com/office/powerpoint/2010/main" val="2076392974"/>
+        <p14:creationId xmlns:p14="http://schemas.microsoft.com/office/powerpoint/2010/main" val="3371474917"/>
       </p:ext>
     </p:extLst>
   </p:cSld>
@@ -13791,10 +13788,10 @@
                             <m:rPr>
                               <m:sty m:val="p"/>
                             </m:rPr>
-                            <a:rPr lang="ru-RU" sz="2000">
+                            <a:rPr lang="en-US" sz="2000" b="0" i="0" smtClean="0">
                               <a:latin typeface="Cambria Math"/>
                             </a:rPr>
-                            <m:t>N</m:t>
+                            <m:t>K</m:t>
                           </m:r>
                         </m:den>
                       </m:f>
@@ -13830,10 +13827,10 @@
                             <m:rPr>
                               <m:sty m:val="p"/>
                             </m:rPr>
-                            <a:rPr lang="ru-RU" sz="2000">
+                            <a:rPr lang="en-US" sz="2000" b="0" i="0" smtClean="0">
                               <a:latin typeface="Cambria Math"/>
                             </a:rPr>
-                            <m:t>N</m:t>
+                            <m:t>K</m:t>
                           </m:r>
                         </m:sup>
                         <m:e>
@@ -13997,10 +13994,10 @@
                             <m:rPr>
                               <m:sty m:val="p"/>
                             </m:rPr>
-                            <a:rPr lang="ru-RU" sz="2000">
+                            <a:rPr lang="en-US" sz="2000" b="0" i="0" smtClean="0">
                               <a:latin typeface="Cambria Math"/>
                             </a:rPr>
-                            <m:t>N</m:t>
+                            <m:t>K</m:t>
                           </m:r>
                         </m:den>
                       </m:f>
@@ -14036,10 +14033,10 @@
                             <m:rPr>
                               <m:sty m:val="p"/>
                             </m:rPr>
-                            <a:rPr lang="ru-RU" sz="2000">
+                            <a:rPr lang="en-US" sz="2000" b="0" i="0" smtClean="0">
                               <a:latin typeface="Cambria Math"/>
                             </a:rPr>
-                            <m:t>N</m:t>
+                            <m:t>K</m:t>
                           </m:r>
                         </m:sup>
                         <m:e>
@@ -14259,2075 +14256,6 @@
 </file>
 
 <file path=ppt/slides/slide25.xml><?xml version="1.0" encoding="utf-8"?>
-<p:sld xmlns:a="http://schemas.openxmlformats.org/drawingml/2006/main" xmlns:r="http://schemas.openxmlformats.org/officeDocument/2006/relationships" xmlns:p="http://schemas.openxmlformats.org/presentationml/2006/main">
-  <p:cSld>
-    <p:spTree>
-      <p:nvGrpSpPr>
-        <p:cNvPr id="1" name=""/>
-        <p:cNvGrpSpPr/>
-        <p:nvPr/>
-      </p:nvGrpSpPr>
-      <p:grpSpPr>
-        <a:xfrm>
-          <a:off x="0" y="0"/>
-          <a:ext cx="0" cy="0"/>
-          <a:chOff x="0" y="0"/>
-          <a:chExt cx="0" cy="0"/>
-        </a:xfrm>
-      </p:grpSpPr>
-      <p:sp>
-        <p:nvSpPr>
-          <p:cNvPr id="2" name="Заголовок 1"/>
-          <p:cNvSpPr>
-            <a:spLocks noGrp="1"/>
-          </p:cNvSpPr>
-          <p:nvPr>
-            <p:ph type="title"/>
-          </p:nvPr>
-        </p:nvSpPr>
-        <p:spPr/>
-        <p:txBody>
-          <a:bodyPr/>
-          <a:lstStyle/>
-          <a:p>
-            <a:r>
-              <a:rPr lang="en-US" dirty="0" smtClean="0"/>
-              <a:t>What happens then:</a:t>
-            </a:r>
-            <a:endParaRPr lang="ru-RU" dirty="0"/>
-          </a:p>
-        </p:txBody>
-      </p:sp>
-      <mc:AlternateContent xmlns:mc="http://schemas.openxmlformats.org/markup-compatibility/2006" xmlns:a14="http://schemas.microsoft.com/office/drawing/2010/main">
-        <mc:Choice Requires="a14">
-          <p:sp>
-            <p:nvSpPr>
-              <p:cNvPr id="3" name="Объект 2"/>
-              <p:cNvSpPr>
-                <a:spLocks noGrp="1"/>
-              </p:cNvSpPr>
-              <p:nvPr>
-                <p:ph idx="1"/>
-              </p:nvPr>
-            </p:nvSpPr>
-            <p:spPr>
-              <a:xfrm>
-                <a:off x="457200" y="1340768"/>
-                <a:ext cx="8229600" cy="4968552"/>
-              </a:xfrm>
-            </p:spPr>
-            <p:txBody>
-              <a:bodyPr>
-                <a:normAutofit/>
-              </a:bodyPr>
-              <a:lstStyle/>
-              <a:p>
-                <a:pPr marL="0" indent="0">
-                  <a:buNone/>
-                </a:pPr>
-                <a:r>
-                  <a:rPr lang="en-US" sz="2000" dirty="0" smtClean="0"/>
-                  <a:t>We generate Fourier coefficients:</a:t>
-                </a:r>
-              </a:p>
-              <a:p>
-                <a:pPr marL="0" indent="0">
-                  <a:buNone/>
-                </a:pPr>
-                <a:endParaRPr lang="en-US" sz="2000" dirty="0" smtClean="0"/>
-              </a:p>
-              <a:p>
-                <a:pPr marL="0" indent="0">
-                  <a:buNone/>
-                </a:pPr>
-                <a14:m>
-                  <m:oMathPara xmlns:m="http://schemas.openxmlformats.org/officeDocument/2006/math">
-                    <m:oMathParaPr>
-                      <m:jc m:val="centerGroup"/>
-                    </m:oMathParaPr>
-                    <m:oMath xmlns:m="http://schemas.openxmlformats.org/officeDocument/2006/math">
-                      <m:sSub>
-                        <m:sSubPr>
-                          <m:ctrlPr>
-                            <a:rPr lang="ru-RU" sz="2000" i="1">
-                              <a:latin typeface="Cambria Math"/>
-                            </a:rPr>
-                          </m:ctrlPr>
-                        </m:sSubPr>
-                        <m:e>
-                          <m:r>
-                            <m:rPr>
-                              <m:sty m:val="p"/>
-                            </m:rPr>
-                            <a:rPr lang="en-US" sz="2000">
-                              <a:latin typeface="Cambria Math"/>
-                            </a:rPr>
-                            <m:t>X</m:t>
-                          </m:r>
-                        </m:e>
-                        <m:sub>
-                          <m:r>
-                            <m:rPr>
-                              <m:sty m:val="p"/>
-                            </m:rPr>
-                            <a:rPr lang="en-US" sz="2000">
-                              <a:latin typeface="Cambria Math"/>
-                            </a:rPr>
-                            <m:t>F</m:t>
-                          </m:r>
-                        </m:sub>
-                      </m:sSub>
-                      <m:d>
-                        <m:dPr>
-                          <m:ctrlPr>
-                            <a:rPr lang="ru-RU" sz="2000" i="1">
-                              <a:latin typeface="Cambria Math"/>
-                            </a:rPr>
-                          </m:ctrlPr>
-                        </m:dPr>
-                        <m:e>
-                          <m:sSub>
-                            <m:sSubPr>
-                              <m:ctrlPr>
-                                <a:rPr lang="ru-RU" sz="2000" i="1">
-                                  <a:latin typeface="Cambria Math"/>
-                                </a:rPr>
-                              </m:ctrlPr>
-                            </m:sSubPr>
-                            <m:e>
-                              <m:r>
-                                <m:rPr>
-                                  <m:sty m:val="p"/>
-                                </m:rPr>
-                                <a:rPr lang="en-US" sz="2000">
-                                  <a:latin typeface="Cambria Math"/>
-                                </a:rPr>
-                                <m:t>k</m:t>
-                              </m:r>
-                            </m:e>
-                            <m:sub>
-                              <m:r>
-                                <a:rPr lang="en-US" sz="2000">
-                                  <a:latin typeface="Cambria Math"/>
-                                </a:rPr>
-                                <m:t>1</m:t>
-                              </m:r>
-                            </m:sub>
-                          </m:sSub>
-                          <m:r>
-                            <a:rPr lang="en-US" sz="2000">
-                              <a:latin typeface="Cambria Math"/>
-                            </a:rPr>
-                            <m:t>, </m:t>
-                          </m:r>
-                          <m:sSub>
-                            <m:sSubPr>
-                              <m:ctrlPr>
-                                <a:rPr lang="ru-RU" sz="2000" i="1">
-                                  <a:latin typeface="Cambria Math"/>
-                                </a:rPr>
-                              </m:ctrlPr>
-                            </m:sSubPr>
-                            <m:e>
-                              <m:r>
-                                <m:rPr>
-                                  <m:sty m:val="p"/>
-                                </m:rPr>
-                                <a:rPr lang="en-US" sz="2000">
-                                  <a:latin typeface="Cambria Math"/>
-                                </a:rPr>
-                                <m:t>k</m:t>
-                              </m:r>
-                            </m:e>
-                            <m:sub>
-                              <m:r>
-                                <a:rPr lang="en-US" sz="2000">
-                                  <a:latin typeface="Cambria Math"/>
-                                </a:rPr>
-                                <m:t>2</m:t>
-                              </m:r>
-                            </m:sub>
-                          </m:sSub>
-                        </m:e>
-                      </m:d>
-                      <m:r>
-                        <a:rPr lang="en-US" sz="2000">
-                          <a:latin typeface="Cambria Math"/>
-                        </a:rPr>
-                        <m:t>=</m:t>
-                      </m:r>
-                      <m:rad>
-                        <m:radPr>
-                          <m:degHide m:val="on"/>
-                          <m:ctrlPr>
-                            <a:rPr lang="ru-RU" sz="2000" i="1">
-                              <a:latin typeface="Cambria Math"/>
-                            </a:rPr>
-                          </m:ctrlPr>
-                        </m:radPr>
-                        <m:deg/>
-                        <m:e>
-                          <m:f>
-                            <m:fPr>
-                              <m:ctrlPr>
-                                <a:rPr lang="ru-RU" sz="2000" i="1">
-                                  <a:latin typeface="Cambria Math"/>
-                                </a:rPr>
-                              </m:ctrlPr>
-                            </m:fPr>
-                            <m:num>
-                              <m:sSub>
-                                <m:sSubPr>
-                                  <m:ctrlPr>
-                                    <a:rPr lang="ru-RU" sz="2000" i="1">
-                                      <a:latin typeface="Cambria Math"/>
-                                    </a:rPr>
-                                  </m:ctrlPr>
-                                </m:sSubPr>
-                                <m:e>
-                                  <m:r>
-                                    <m:rPr>
-                                      <m:sty m:val="p"/>
-                                    </m:rPr>
-                                    <a:rPr lang="en-US" sz="2000">
-                                      <a:latin typeface="Cambria Math"/>
-                                    </a:rPr>
-                                    <m:t>S</m:t>
-                                  </m:r>
-                                </m:e>
-                                <m:sub>
-                                  <m:r>
-                                    <m:rPr>
-                                      <m:sty m:val="p"/>
-                                    </m:rPr>
-                                    <a:rPr lang="en-US" sz="2000">
-                                      <a:latin typeface="Cambria Math"/>
-                                    </a:rPr>
-                                    <m:t>E</m:t>
-                                  </m:r>
-                                </m:sub>
-                              </m:sSub>
-                              <m:d>
-                                <m:dPr>
-                                  <m:ctrlPr>
-                                    <a:rPr lang="ru-RU" sz="2000" i="1">
-                                      <a:latin typeface="Cambria Math"/>
-                                    </a:rPr>
-                                  </m:ctrlPr>
-                                </m:dPr>
-                                <m:e>
-                                  <m:f>
-                                    <m:fPr>
-                                      <m:ctrlPr>
-                                        <a:rPr lang="ru-RU" sz="2000" i="1">
-                                          <a:latin typeface="Cambria Math"/>
-                                        </a:rPr>
-                                      </m:ctrlPr>
-                                    </m:fPr>
-                                    <m:num>
-                                      <m:r>
-                                        <a:rPr lang="en-US" sz="2000">
-                                          <a:latin typeface="Cambria Math"/>
-                                        </a:rPr>
-                                        <m:t>2</m:t>
-                                      </m:r>
-                                      <m:r>
-                                        <m:rPr>
-                                          <m:sty m:val="p"/>
-                                        </m:rPr>
-                                        <a:rPr lang="en-US" sz="2000">
-                                          <a:latin typeface="Cambria Math"/>
-                                        </a:rPr>
-                                        <m:t>π</m:t>
-                                      </m:r>
-                                    </m:num>
-                                    <m:den>
-                                      <m:sSub>
-                                        <m:sSubPr>
-                                          <m:ctrlPr>
-                                            <a:rPr lang="ru-RU" sz="2000" i="1">
-                                              <a:latin typeface="Cambria Math"/>
-                                            </a:rPr>
-                                          </m:ctrlPr>
-                                        </m:sSubPr>
-                                        <m:e>
-                                          <m:r>
-                                            <m:rPr>
-                                              <m:sty m:val="p"/>
-                                            </m:rPr>
-                                            <a:rPr lang="en-US" sz="2000">
-                                              <a:latin typeface="Cambria Math"/>
-                                            </a:rPr>
-                                            <m:t>T</m:t>
-                                          </m:r>
-                                        </m:e>
-                                        <m:sub>
-                                          <m:r>
-                                            <a:rPr lang="en-US" sz="2000">
-                                              <a:latin typeface="Cambria Math"/>
-                                            </a:rPr>
-                                            <m:t>1</m:t>
-                                          </m:r>
-                                        </m:sub>
-                                      </m:sSub>
-                                    </m:den>
-                                  </m:f>
-                                  <m:sSub>
-                                    <m:sSubPr>
-                                      <m:ctrlPr>
-                                        <a:rPr lang="ru-RU" sz="2000" i="1">
-                                          <a:latin typeface="Cambria Math"/>
-                                        </a:rPr>
-                                      </m:ctrlPr>
-                                    </m:sSubPr>
-                                    <m:e>
-                                      <m:r>
-                                        <m:rPr>
-                                          <m:sty m:val="p"/>
-                                        </m:rPr>
-                                        <a:rPr lang="en-US" sz="2000">
-                                          <a:latin typeface="Cambria Math"/>
-                                        </a:rPr>
-                                        <m:t>k</m:t>
-                                      </m:r>
-                                    </m:e>
-                                    <m:sub>
-                                      <m:r>
-                                        <a:rPr lang="en-US" sz="2000">
-                                          <a:latin typeface="Cambria Math"/>
-                                        </a:rPr>
-                                        <m:t>1</m:t>
-                                      </m:r>
-                                    </m:sub>
-                                  </m:sSub>
-                                  <m:r>
-                                    <a:rPr lang="en-US" sz="2000">
-                                      <a:latin typeface="Cambria Math"/>
-                                    </a:rPr>
-                                    <m:t>, </m:t>
-                                  </m:r>
-                                  <m:f>
-                                    <m:fPr>
-                                      <m:ctrlPr>
-                                        <a:rPr lang="ru-RU" sz="2000" i="1">
-                                          <a:latin typeface="Cambria Math"/>
-                                        </a:rPr>
-                                      </m:ctrlPr>
-                                    </m:fPr>
-                                    <m:num>
-                                      <m:r>
-                                        <a:rPr lang="en-US" sz="2000">
-                                          <a:latin typeface="Cambria Math"/>
-                                        </a:rPr>
-                                        <m:t>2</m:t>
-                                      </m:r>
-                                      <m:r>
-                                        <m:rPr>
-                                          <m:sty m:val="p"/>
-                                        </m:rPr>
-                                        <a:rPr lang="en-US" sz="2000">
-                                          <a:latin typeface="Cambria Math"/>
-                                        </a:rPr>
-                                        <m:t>π</m:t>
-                                      </m:r>
-                                    </m:num>
-                                    <m:den>
-                                      <m:sSub>
-                                        <m:sSubPr>
-                                          <m:ctrlPr>
-                                            <a:rPr lang="ru-RU" sz="2000" i="1">
-                                              <a:latin typeface="Cambria Math"/>
-                                            </a:rPr>
-                                          </m:ctrlPr>
-                                        </m:sSubPr>
-                                        <m:e>
-                                          <m:r>
-                                            <m:rPr>
-                                              <m:sty m:val="p"/>
-                                            </m:rPr>
-                                            <a:rPr lang="en-US" sz="2000">
-                                              <a:latin typeface="Cambria Math"/>
-                                            </a:rPr>
-                                            <m:t>T</m:t>
-                                          </m:r>
-                                        </m:e>
-                                        <m:sub>
-                                          <m:r>
-                                            <a:rPr lang="en-US" sz="2000">
-                                              <a:latin typeface="Cambria Math"/>
-                                            </a:rPr>
-                                            <m:t>1</m:t>
-                                          </m:r>
-                                        </m:sub>
-                                      </m:sSub>
-                                    </m:den>
-                                  </m:f>
-                                  <m:sSub>
-                                    <m:sSubPr>
-                                      <m:ctrlPr>
-                                        <a:rPr lang="ru-RU" sz="2000" i="1">
-                                          <a:latin typeface="Cambria Math"/>
-                                        </a:rPr>
-                                      </m:ctrlPr>
-                                    </m:sSubPr>
-                                    <m:e>
-                                      <m:r>
-                                        <m:rPr>
-                                          <m:sty m:val="p"/>
-                                        </m:rPr>
-                                        <a:rPr lang="en-US" sz="2000">
-                                          <a:latin typeface="Cambria Math"/>
-                                        </a:rPr>
-                                        <m:t>k</m:t>
-                                      </m:r>
-                                    </m:e>
-                                    <m:sub>
-                                      <m:r>
-                                        <a:rPr lang="en-US" sz="2000">
-                                          <a:latin typeface="Cambria Math"/>
-                                        </a:rPr>
-                                        <m:t>2</m:t>
-                                      </m:r>
-                                    </m:sub>
-                                  </m:sSub>
-                                </m:e>
-                              </m:d>
-                            </m:num>
-                            <m:den>
-                              <m:sSubSup>
-                                <m:sSubSupPr>
-                                  <m:ctrlPr>
-                                    <a:rPr lang="ru-RU" sz="2000" i="1">
-                                      <a:latin typeface="Cambria Math"/>
-                                    </a:rPr>
-                                  </m:ctrlPr>
-                                </m:sSubSupPr>
-                                <m:e>
-                                  <m:r>
-                                    <m:rPr>
-                                      <m:sty m:val="p"/>
-                                    </m:rPr>
-                                    <a:rPr lang="en-US" sz="2000">
-                                      <a:latin typeface="Cambria Math"/>
-                                    </a:rPr>
-                                    <m:t>T</m:t>
-                                  </m:r>
-                                </m:e>
-                                <m:sub>
-                                  <m:r>
-                                    <a:rPr lang="en-US" sz="2000">
-                                      <a:latin typeface="Cambria Math"/>
-                                    </a:rPr>
-                                    <m:t>1</m:t>
-                                  </m:r>
-                                </m:sub>
-                                <m:sup>
-                                  <m:r>
-                                    <a:rPr lang="en-US" sz="2000">
-                                      <a:latin typeface="Cambria Math"/>
-                                    </a:rPr>
-                                    <m:t>2</m:t>
-                                  </m:r>
-                                </m:sup>
-                              </m:sSubSup>
-                              <m:sSubSup>
-                                <m:sSubSupPr>
-                                  <m:ctrlPr>
-                                    <a:rPr lang="ru-RU" sz="2000" i="1">
-                                      <a:latin typeface="Cambria Math"/>
-                                    </a:rPr>
-                                  </m:ctrlPr>
-                                </m:sSubSupPr>
-                                <m:e>
-                                  <m:r>
-                                    <m:rPr>
-                                      <m:sty m:val="p"/>
-                                    </m:rPr>
-                                    <a:rPr lang="en-US" sz="2000">
-                                      <a:latin typeface="Cambria Math"/>
-                                    </a:rPr>
-                                    <m:t>T</m:t>
-                                  </m:r>
-                                </m:e>
-                                <m:sub>
-                                  <m:r>
-                                    <a:rPr lang="en-US" sz="2000">
-                                      <a:latin typeface="Cambria Math"/>
-                                    </a:rPr>
-                                    <m:t>2</m:t>
-                                  </m:r>
-                                </m:sub>
-                                <m:sup>
-                                  <m:r>
-                                    <a:rPr lang="en-US" sz="2000">
-                                      <a:latin typeface="Cambria Math"/>
-                                    </a:rPr>
-                                    <m:t>2</m:t>
-                                  </m:r>
-                                </m:sup>
-                              </m:sSubSup>
-                              <m:d>
-                                <m:dPr>
-                                  <m:ctrlPr>
-                                    <a:rPr lang="ru-RU" sz="2000" i="1">
-                                      <a:latin typeface="Cambria Math"/>
-                                    </a:rPr>
-                                  </m:ctrlPr>
-                                </m:dPr>
-                                <m:e>
-                                  <m:r>
-                                    <a:rPr lang="en-US" sz="2000">
-                                      <a:latin typeface="Cambria Math"/>
-                                    </a:rPr>
-                                    <m:t>1+</m:t>
-                                  </m:r>
-                                  <m:sSubSup>
-                                    <m:sSubSupPr>
-                                      <m:ctrlPr>
-                                        <a:rPr lang="ru-RU" sz="2000" i="1">
-                                          <a:latin typeface="Cambria Math"/>
-                                        </a:rPr>
-                                      </m:ctrlPr>
-                                    </m:sSubSupPr>
-                                    <m:e>
-                                      <m:r>
-                                        <m:rPr>
-                                          <m:sty m:val="p"/>
-                                        </m:rPr>
-                                        <a:rPr lang="en-US" sz="2000">
-                                          <a:latin typeface="Cambria Math"/>
-                                        </a:rPr>
-                                        <m:t>λ</m:t>
-                                      </m:r>
-                                    </m:e>
-                                    <m:sub>
-                                      <m:sSub>
-                                        <m:sSubPr>
-                                          <m:ctrlPr>
-                                            <a:rPr lang="ru-RU" sz="2000" i="1">
-                                              <a:latin typeface="Cambria Math"/>
-                                            </a:rPr>
-                                          </m:ctrlPr>
-                                        </m:sSubPr>
-                                        <m:e>
-                                          <m:r>
-                                            <m:rPr>
-                                              <m:sty m:val="p"/>
-                                            </m:rPr>
-                                            <a:rPr lang="en-US" sz="2000">
-                                              <a:latin typeface="Cambria Math"/>
-                                            </a:rPr>
-                                            <m:t>k</m:t>
-                                          </m:r>
-                                        </m:e>
-                                        <m:sub>
-                                          <m:r>
-                                            <a:rPr lang="en-US" sz="2000">
-                                              <a:latin typeface="Cambria Math"/>
-                                            </a:rPr>
-                                            <m:t>1</m:t>
-                                          </m:r>
-                                        </m:sub>
-                                      </m:sSub>
-                                      <m:r>
-                                        <a:rPr lang="en-US" sz="2000">
-                                          <a:latin typeface="Cambria Math"/>
-                                        </a:rPr>
-                                        <m:t>, </m:t>
-                                      </m:r>
-                                      <m:sSub>
-                                        <m:sSubPr>
-                                          <m:ctrlPr>
-                                            <a:rPr lang="ru-RU" sz="2000" i="1">
-                                              <a:latin typeface="Cambria Math"/>
-                                            </a:rPr>
-                                          </m:ctrlPr>
-                                        </m:sSubPr>
-                                        <m:e>
-                                          <m:r>
-                                            <m:rPr>
-                                              <m:sty m:val="p"/>
-                                            </m:rPr>
-                                            <a:rPr lang="en-US" sz="2000">
-                                              <a:latin typeface="Cambria Math"/>
-                                            </a:rPr>
-                                            <m:t>k</m:t>
-                                          </m:r>
-                                        </m:e>
-                                        <m:sub>
-                                          <m:r>
-                                            <a:rPr lang="en-US" sz="2000">
-                                              <a:latin typeface="Cambria Math"/>
-                                            </a:rPr>
-                                            <m:t>2</m:t>
-                                          </m:r>
-                                        </m:sub>
-                                      </m:sSub>
-                                    </m:sub>
-                                    <m:sup>
-                                      <m:r>
-                                        <a:rPr lang="en-US" sz="2000">
-                                          <a:latin typeface="Cambria Math"/>
-                                        </a:rPr>
-                                        <m:t>2</m:t>
-                                      </m:r>
-                                    </m:sup>
-                                  </m:sSubSup>
-                                </m:e>
-                              </m:d>
-                            </m:den>
-                          </m:f>
-                        </m:e>
-                      </m:rad>
-                      <m:r>
-                        <a:rPr lang="en-US" sz="2000">
-                          <a:latin typeface="Cambria Math"/>
-                        </a:rPr>
-                        <m:t>=</m:t>
-                      </m:r>
-                      <m:f>
-                        <m:fPr>
-                          <m:ctrlPr>
-                            <a:rPr lang="ru-RU" sz="2000" i="1">
-                              <a:latin typeface="Cambria Math"/>
-                            </a:rPr>
-                          </m:ctrlPr>
-                        </m:fPr>
-                        <m:num>
-                          <m:r>
-                            <a:rPr lang="en-US" sz="2000">
-                              <a:latin typeface="Cambria Math"/>
-                            </a:rPr>
-                            <m:t>1</m:t>
-                          </m:r>
-                        </m:num>
-                        <m:den>
-                          <m:sSub>
-                            <m:sSubPr>
-                              <m:ctrlPr>
-                                <a:rPr lang="ru-RU" sz="2000" i="1">
-                                  <a:latin typeface="Cambria Math"/>
-                                </a:rPr>
-                              </m:ctrlPr>
-                            </m:sSubPr>
-                            <m:e>
-                              <m:r>
-                                <m:rPr>
-                                  <m:sty m:val="p"/>
-                                </m:rPr>
-                                <a:rPr lang="en-US" sz="2000">
-                                  <a:latin typeface="Cambria Math"/>
-                                </a:rPr>
-                                <m:t>T</m:t>
-                              </m:r>
-                            </m:e>
-                            <m:sub>
-                              <m:r>
-                                <a:rPr lang="en-US" sz="2000">
-                                  <a:latin typeface="Cambria Math"/>
-                                </a:rPr>
-                                <m:t>1</m:t>
-                              </m:r>
-                            </m:sub>
-                          </m:sSub>
-                          <m:sSub>
-                            <m:sSubPr>
-                              <m:ctrlPr>
-                                <a:rPr lang="ru-RU" sz="2000" i="1">
-                                  <a:latin typeface="Cambria Math"/>
-                                </a:rPr>
-                              </m:ctrlPr>
-                            </m:sSubPr>
-                            <m:e>
-                              <m:r>
-                                <m:rPr>
-                                  <m:sty m:val="p"/>
-                                </m:rPr>
-                                <a:rPr lang="en-US" sz="2000">
-                                  <a:latin typeface="Cambria Math"/>
-                                </a:rPr>
-                                <m:t>T</m:t>
-                              </m:r>
-                            </m:e>
-                            <m:sub>
-                              <m:r>
-                                <a:rPr lang="en-US" sz="2000">
-                                  <a:latin typeface="Cambria Math"/>
-                                </a:rPr>
-                                <m:t>2</m:t>
-                              </m:r>
-                            </m:sub>
-                          </m:sSub>
-                        </m:den>
-                      </m:f>
-                      <m:rad>
-                        <m:radPr>
-                          <m:degHide m:val="on"/>
-                          <m:ctrlPr>
-                            <a:rPr lang="ru-RU" sz="2000" i="1">
-                              <a:latin typeface="Cambria Math"/>
-                            </a:rPr>
-                          </m:ctrlPr>
-                        </m:radPr>
-                        <m:deg/>
-                        <m:e>
-                          <m:f>
-                            <m:fPr>
-                              <m:ctrlPr>
-                                <a:rPr lang="ru-RU" sz="2000" i="1">
-                                  <a:latin typeface="Cambria Math"/>
-                                </a:rPr>
-                              </m:ctrlPr>
-                            </m:fPr>
-                            <m:num>
-                              <m:sSub>
-                                <m:sSubPr>
-                                  <m:ctrlPr>
-                                    <a:rPr lang="ru-RU" sz="2000" i="1">
-                                      <a:latin typeface="Cambria Math"/>
-                                    </a:rPr>
-                                  </m:ctrlPr>
-                                </m:sSubPr>
-                                <m:e>
-                                  <m:r>
-                                    <m:rPr>
-                                      <m:sty m:val="p"/>
-                                    </m:rPr>
-                                    <a:rPr lang="en-US" sz="2000">
-                                      <a:latin typeface="Cambria Math"/>
-                                    </a:rPr>
-                                    <m:t>S</m:t>
-                                  </m:r>
-                                </m:e>
-                                <m:sub>
-                                  <m:r>
-                                    <m:rPr>
-                                      <m:sty m:val="p"/>
-                                    </m:rPr>
-                                    <a:rPr lang="en-US" sz="2000">
-                                      <a:latin typeface="Cambria Math"/>
-                                    </a:rPr>
-                                    <m:t>E</m:t>
-                                  </m:r>
-                                </m:sub>
-                              </m:sSub>
-                              <m:d>
-                                <m:dPr>
-                                  <m:ctrlPr>
-                                    <a:rPr lang="ru-RU" sz="2000" i="1">
-                                      <a:latin typeface="Cambria Math"/>
-                                    </a:rPr>
-                                  </m:ctrlPr>
-                                </m:dPr>
-                                <m:e>
-                                  <m:f>
-                                    <m:fPr>
-                                      <m:ctrlPr>
-                                        <a:rPr lang="ru-RU" sz="2000" i="1">
-                                          <a:latin typeface="Cambria Math"/>
-                                        </a:rPr>
-                                      </m:ctrlPr>
-                                    </m:fPr>
-                                    <m:num>
-                                      <m:r>
-                                        <a:rPr lang="en-US" sz="2000">
-                                          <a:latin typeface="Cambria Math"/>
-                                        </a:rPr>
-                                        <m:t>2</m:t>
-                                      </m:r>
-                                      <m:r>
-                                        <m:rPr>
-                                          <m:sty m:val="p"/>
-                                        </m:rPr>
-                                        <a:rPr lang="en-US" sz="2000">
-                                          <a:latin typeface="Cambria Math"/>
-                                        </a:rPr>
-                                        <m:t>π</m:t>
-                                      </m:r>
-                                    </m:num>
-                                    <m:den>
-                                      <m:sSub>
-                                        <m:sSubPr>
-                                          <m:ctrlPr>
-                                            <a:rPr lang="ru-RU" sz="2000" i="1">
-                                              <a:latin typeface="Cambria Math"/>
-                                            </a:rPr>
-                                          </m:ctrlPr>
-                                        </m:sSubPr>
-                                        <m:e>
-                                          <m:r>
-                                            <m:rPr>
-                                              <m:sty m:val="p"/>
-                                            </m:rPr>
-                                            <a:rPr lang="en-US" sz="2000">
-                                              <a:latin typeface="Cambria Math"/>
-                                            </a:rPr>
-                                            <m:t>T</m:t>
-                                          </m:r>
-                                        </m:e>
-                                        <m:sub>
-                                          <m:r>
-                                            <a:rPr lang="en-US" sz="2000">
-                                              <a:latin typeface="Cambria Math"/>
-                                            </a:rPr>
-                                            <m:t>1</m:t>
-                                          </m:r>
-                                        </m:sub>
-                                      </m:sSub>
-                                    </m:den>
-                                  </m:f>
-                                  <m:sSub>
-                                    <m:sSubPr>
-                                      <m:ctrlPr>
-                                        <a:rPr lang="ru-RU" sz="2000" i="1">
-                                          <a:latin typeface="Cambria Math"/>
-                                        </a:rPr>
-                                      </m:ctrlPr>
-                                    </m:sSubPr>
-                                    <m:e>
-                                      <m:r>
-                                        <m:rPr>
-                                          <m:sty m:val="p"/>
-                                        </m:rPr>
-                                        <a:rPr lang="en-US" sz="2000">
-                                          <a:latin typeface="Cambria Math"/>
-                                        </a:rPr>
-                                        <m:t>k</m:t>
-                                      </m:r>
-                                    </m:e>
-                                    <m:sub>
-                                      <m:r>
-                                        <a:rPr lang="en-US" sz="2000">
-                                          <a:latin typeface="Cambria Math"/>
-                                        </a:rPr>
-                                        <m:t>1</m:t>
-                                      </m:r>
-                                    </m:sub>
-                                  </m:sSub>
-                                  <m:r>
-                                    <a:rPr lang="en-US" sz="2000">
-                                      <a:latin typeface="Cambria Math"/>
-                                    </a:rPr>
-                                    <m:t>, </m:t>
-                                  </m:r>
-                                  <m:f>
-                                    <m:fPr>
-                                      <m:ctrlPr>
-                                        <a:rPr lang="ru-RU" sz="2000" i="1">
-                                          <a:latin typeface="Cambria Math"/>
-                                        </a:rPr>
-                                      </m:ctrlPr>
-                                    </m:fPr>
-                                    <m:num>
-                                      <m:r>
-                                        <a:rPr lang="en-US" sz="2000">
-                                          <a:latin typeface="Cambria Math"/>
-                                        </a:rPr>
-                                        <m:t>2</m:t>
-                                      </m:r>
-                                      <m:r>
-                                        <m:rPr>
-                                          <m:sty m:val="p"/>
-                                        </m:rPr>
-                                        <a:rPr lang="en-US" sz="2000">
-                                          <a:latin typeface="Cambria Math"/>
-                                        </a:rPr>
-                                        <m:t>π</m:t>
-                                      </m:r>
-                                    </m:num>
-                                    <m:den>
-                                      <m:sSub>
-                                        <m:sSubPr>
-                                          <m:ctrlPr>
-                                            <a:rPr lang="ru-RU" sz="2000" i="1">
-                                              <a:latin typeface="Cambria Math"/>
-                                            </a:rPr>
-                                          </m:ctrlPr>
-                                        </m:sSubPr>
-                                        <m:e>
-                                          <m:r>
-                                            <m:rPr>
-                                              <m:sty m:val="p"/>
-                                            </m:rPr>
-                                            <a:rPr lang="en-US" sz="2000">
-                                              <a:latin typeface="Cambria Math"/>
-                                            </a:rPr>
-                                            <m:t>T</m:t>
-                                          </m:r>
-                                        </m:e>
-                                        <m:sub>
-                                          <m:r>
-                                            <a:rPr lang="en-US" sz="2000">
-                                              <a:latin typeface="Cambria Math"/>
-                                            </a:rPr>
-                                            <m:t>1</m:t>
-                                          </m:r>
-                                        </m:sub>
-                                      </m:sSub>
-                                    </m:den>
-                                  </m:f>
-                                  <m:sSub>
-                                    <m:sSubPr>
-                                      <m:ctrlPr>
-                                        <a:rPr lang="ru-RU" sz="2000" i="1">
-                                          <a:latin typeface="Cambria Math"/>
-                                        </a:rPr>
-                                      </m:ctrlPr>
-                                    </m:sSubPr>
-                                    <m:e>
-                                      <m:r>
-                                        <m:rPr>
-                                          <m:sty m:val="p"/>
-                                        </m:rPr>
-                                        <a:rPr lang="en-US" sz="2000">
-                                          <a:latin typeface="Cambria Math"/>
-                                        </a:rPr>
-                                        <m:t>k</m:t>
-                                      </m:r>
-                                    </m:e>
-                                    <m:sub>
-                                      <m:r>
-                                        <a:rPr lang="en-US" sz="2000">
-                                          <a:latin typeface="Cambria Math"/>
-                                        </a:rPr>
-                                        <m:t>2</m:t>
-                                      </m:r>
-                                    </m:sub>
-                                  </m:sSub>
-                                </m:e>
-                              </m:d>
-                            </m:num>
-                            <m:den>
-                              <m:r>
-                                <a:rPr lang="en-US" sz="2000">
-                                  <a:latin typeface="Cambria Math"/>
-                                </a:rPr>
-                                <m:t>1+</m:t>
-                              </m:r>
-                              <m:sSubSup>
-                                <m:sSubSupPr>
-                                  <m:ctrlPr>
-                                    <a:rPr lang="ru-RU" sz="2000" i="1">
-                                      <a:latin typeface="Cambria Math"/>
-                                    </a:rPr>
-                                  </m:ctrlPr>
-                                </m:sSubSupPr>
-                                <m:e>
-                                  <m:r>
-                                    <m:rPr>
-                                      <m:sty m:val="p"/>
-                                    </m:rPr>
-                                    <a:rPr lang="en-US" sz="2000">
-                                      <a:latin typeface="Cambria Math"/>
-                                    </a:rPr>
-                                    <m:t>λ</m:t>
-                                  </m:r>
-                                </m:e>
-                                <m:sub>
-                                  <m:sSub>
-                                    <m:sSubPr>
-                                      <m:ctrlPr>
-                                        <a:rPr lang="ru-RU" sz="2000" i="1">
-                                          <a:latin typeface="Cambria Math"/>
-                                        </a:rPr>
-                                      </m:ctrlPr>
-                                    </m:sSubPr>
-                                    <m:e>
-                                      <m:r>
-                                        <m:rPr>
-                                          <m:sty m:val="p"/>
-                                        </m:rPr>
-                                        <a:rPr lang="en-US" sz="2000">
-                                          <a:latin typeface="Cambria Math"/>
-                                        </a:rPr>
-                                        <m:t>k</m:t>
-                                      </m:r>
-                                    </m:e>
-                                    <m:sub>
-                                      <m:r>
-                                        <a:rPr lang="en-US" sz="2000">
-                                          <a:latin typeface="Cambria Math"/>
-                                        </a:rPr>
-                                        <m:t>1</m:t>
-                                      </m:r>
-                                    </m:sub>
-                                  </m:sSub>
-                                  <m:r>
-                                    <a:rPr lang="en-US" sz="2000">
-                                      <a:latin typeface="Cambria Math"/>
-                                    </a:rPr>
-                                    <m:t>, </m:t>
-                                  </m:r>
-                                  <m:sSub>
-                                    <m:sSubPr>
-                                      <m:ctrlPr>
-                                        <a:rPr lang="ru-RU" sz="2000" i="1">
-                                          <a:latin typeface="Cambria Math"/>
-                                        </a:rPr>
-                                      </m:ctrlPr>
-                                    </m:sSubPr>
-                                    <m:e>
-                                      <m:r>
-                                        <m:rPr>
-                                          <m:sty m:val="p"/>
-                                        </m:rPr>
-                                        <a:rPr lang="en-US" sz="2000">
-                                          <a:latin typeface="Cambria Math"/>
-                                        </a:rPr>
-                                        <m:t>k</m:t>
-                                      </m:r>
-                                    </m:e>
-                                    <m:sub>
-                                      <m:r>
-                                        <a:rPr lang="en-US" sz="2000">
-                                          <a:latin typeface="Cambria Math"/>
-                                        </a:rPr>
-                                        <m:t>2</m:t>
-                                      </m:r>
-                                    </m:sub>
-                                  </m:sSub>
-                                </m:sub>
-                                <m:sup>
-                                  <m:r>
-                                    <a:rPr lang="en-US" sz="2000">
-                                      <a:latin typeface="Cambria Math"/>
-                                    </a:rPr>
-                                    <m:t>2</m:t>
-                                  </m:r>
-                                </m:sup>
-                              </m:sSubSup>
-                            </m:den>
-                          </m:f>
-                        </m:e>
-                      </m:rad>
-                      <m:r>
-                        <a:rPr lang="en-US" sz="2000" smtClean="0">
-                          <a:latin typeface="Cambria Math"/>
-                        </a:rPr>
-                        <m:t>,</m:t>
-                      </m:r>
-                    </m:oMath>
-                  </m:oMathPara>
-                </a14:m>
-                <a:endParaRPr lang="ru-RU" sz="2000" dirty="0"/>
-              </a:p>
-              <a:p>
-                <a:pPr marL="0" indent="0">
-                  <a:buNone/>
-                </a:pPr>
-                <a14:m>
-                  <m:oMathPara xmlns:m="http://schemas.openxmlformats.org/officeDocument/2006/math">
-                    <m:oMathParaPr>
-                      <m:jc m:val="centerGroup"/>
-                    </m:oMathParaPr>
-                    <m:oMath xmlns:m="http://schemas.openxmlformats.org/officeDocument/2006/math">
-                      <m:sSub>
-                        <m:sSubPr>
-                          <m:ctrlPr>
-                            <a:rPr lang="ru-RU" sz="2000" i="1">
-                              <a:latin typeface="Cambria Math"/>
-                            </a:rPr>
-                          </m:ctrlPr>
-                        </m:sSubPr>
-                        <m:e>
-                          <m:r>
-                            <m:rPr>
-                              <m:sty m:val="p"/>
-                            </m:rPr>
-                            <a:rPr lang="en-US" sz="2000">
-                              <a:latin typeface="Cambria Math"/>
-                            </a:rPr>
-                            <m:t>k</m:t>
-                          </m:r>
-                        </m:e>
-                        <m:sub>
-                          <m:r>
-                            <a:rPr lang="en-US" sz="2000">
-                              <a:latin typeface="Cambria Math"/>
-                            </a:rPr>
-                            <m:t>1</m:t>
-                          </m:r>
-                        </m:sub>
-                      </m:sSub>
-                      <m:r>
-                        <a:rPr lang="en-US" sz="2000">
-                          <a:latin typeface="Cambria Math"/>
-                        </a:rPr>
-                        <m:t>, </m:t>
-                      </m:r>
-                      <m:sSub>
-                        <m:sSubPr>
-                          <m:ctrlPr>
-                            <a:rPr lang="ru-RU" sz="2000" i="1">
-                              <a:latin typeface="Cambria Math"/>
-                            </a:rPr>
-                          </m:ctrlPr>
-                        </m:sSubPr>
-                        <m:e>
-                          <m:r>
-                            <m:rPr>
-                              <m:sty m:val="p"/>
-                            </m:rPr>
-                            <a:rPr lang="en-US" sz="2000">
-                              <a:latin typeface="Cambria Math"/>
-                            </a:rPr>
-                            <m:t>k</m:t>
-                          </m:r>
-                        </m:e>
-                        <m:sub>
-                          <m:r>
-                            <a:rPr lang="en-US" sz="2000">
-                              <a:latin typeface="Cambria Math"/>
-                            </a:rPr>
-                            <m:t>2</m:t>
-                          </m:r>
-                        </m:sub>
-                      </m:sSub>
-                      <m:r>
-                        <a:rPr lang="en-US" sz="2000">
-                          <a:latin typeface="Cambria Math"/>
-                        </a:rPr>
-                        <m:t>=0,1,…,</m:t>
-                      </m:r>
-                    </m:oMath>
-                  </m:oMathPara>
-                </a14:m>
-                <a:endParaRPr lang="ru-RU" sz="2000" dirty="0"/>
-              </a:p>
-              <a:p>
-                <a:pPr marL="0" indent="0">
-                  <a:buNone/>
-                </a:pPr>
-                <a:endParaRPr lang="en-US" sz="2000" dirty="0" smtClean="0"/>
-              </a:p>
-              <a:p>
-                <a:pPr marL="0" indent="0">
-                  <a:buNone/>
-                </a:pPr>
-                <a:r>
-                  <a:rPr lang="en-US" sz="2000" dirty="0" smtClean="0"/>
-                  <a:t>Then those coefficients provide the simulated signal:</a:t>
-                </a:r>
-                <a:endParaRPr lang="en-US" sz="2000" dirty="0"/>
-              </a:p>
-              <a:p>
-                <a:pPr marL="0" indent="0">
-                  <a:buNone/>
-                </a:pPr>
-                <a:endParaRPr lang="en-US" sz="2000" dirty="0" smtClean="0"/>
-              </a:p>
-              <a:p>
-                <a:pPr marL="0" indent="0">
-                  <a:buNone/>
-                </a:pPr>
-                <a14:m>
-                  <m:oMathPara xmlns:m="http://schemas.openxmlformats.org/officeDocument/2006/math">
-                    <m:oMathParaPr>
-                      <m:jc m:val="centerGroup"/>
-                    </m:oMathParaPr>
-                    <m:oMath xmlns:m="http://schemas.openxmlformats.org/officeDocument/2006/math">
-                      <m:r>
-                        <m:rPr>
-                          <m:sty m:val="p"/>
-                        </m:rPr>
-                        <a:rPr lang="en-US" sz="1800">
-                          <a:latin typeface="Cambria Math"/>
-                        </a:rPr>
-                        <m:t>x</m:t>
-                      </m:r>
-                      <m:d>
-                        <m:dPr>
-                          <m:ctrlPr>
-                            <a:rPr lang="ru-RU" sz="1800" i="1">
-                              <a:latin typeface="Cambria Math"/>
-                            </a:rPr>
-                          </m:ctrlPr>
-                        </m:dPr>
-                        <m:e>
-                          <m:sSub>
-                            <m:sSubPr>
-                              <m:ctrlPr>
-                                <a:rPr lang="ru-RU" sz="1800" i="1">
-                                  <a:latin typeface="Cambria Math"/>
-                                </a:rPr>
-                              </m:ctrlPr>
-                            </m:sSubPr>
-                            <m:e>
-                              <m:r>
-                                <m:rPr>
-                                  <m:sty m:val="p"/>
-                                </m:rPr>
-                                <a:rPr lang="en-US" sz="1800">
-                                  <a:latin typeface="Cambria Math"/>
-                                </a:rPr>
-                                <m:t>i</m:t>
-                              </m:r>
-                            </m:e>
-                            <m:sub>
-                              <m:r>
-                                <a:rPr lang="en-US" sz="1800">
-                                  <a:latin typeface="Cambria Math"/>
-                                </a:rPr>
-                                <m:t>1</m:t>
-                              </m:r>
-                            </m:sub>
-                          </m:sSub>
-                          <m:r>
-                            <a:rPr lang="en-US" sz="1800">
-                              <a:latin typeface="Cambria Math"/>
-                            </a:rPr>
-                            <m:t>,</m:t>
-                          </m:r>
-                          <m:sSub>
-                            <m:sSubPr>
-                              <m:ctrlPr>
-                                <a:rPr lang="ru-RU" sz="1800" i="1">
-                                  <a:latin typeface="Cambria Math"/>
-                                </a:rPr>
-                              </m:ctrlPr>
-                            </m:sSubPr>
-                            <m:e>
-                              <m:r>
-                                <m:rPr>
-                                  <m:sty m:val="p"/>
-                                </m:rPr>
-                                <a:rPr lang="en-US" sz="1800">
-                                  <a:latin typeface="Cambria Math"/>
-                                </a:rPr>
-                                <m:t>i</m:t>
-                              </m:r>
-                            </m:e>
-                            <m:sub>
-                              <m:r>
-                                <a:rPr lang="en-US" sz="1800">
-                                  <a:latin typeface="Cambria Math"/>
-                                </a:rPr>
-                                <m:t>2</m:t>
-                              </m:r>
-                            </m:sub>
-                          </m:sSub>
-                        </m:e>
-                      </m:d>
-                      <m:r>
-                        <a:rPr lang="en-US" sz="1800">
-                          <a:latin typeface="Cambria Math"/>
-                        </a:rPr>
-                        <m:t>=</m:t>
-                      </m:r>
-                      <m:nary>
-                        <m:naryPr>
-                          <m:chr m:val="∑"/>
-                          <m:limLoc m:val="undOvr"/>
-                          <m:ctrlPr>
-                            <a:rPr lang="ru-RU" sz="1800" i="1">
-                              <a:latin typeface="Cambria Math"/>
-                            </a:rPr>
-                          </m:ctrlPr>
-                        </m:naryPr>
-                        <m:sub>
-                          <m:sSub>
-                            <m:sSubPr>
-                              <m:ctrlPr>
-                                <a:rPr lang="ru-RU" sz="1800" i="1">
-                                  <a:latin typeface="Cambria Math"/>
-                                </a:rPr>
-                              </m:ctrlPr>
-                            </m:sSubPr>
-                            <m:e>
-                              <m:r>
-                                <m:rPr>
-                                  <m:sty m:val="p"/>
-                                </m:rPr>
-                                <a:rPr lang="en-US" sz="1800">
-                                  <a:latin typeface="Cambria Math"/>
-                                </a:rPr>
-                                <m:t>k</m:t>
-                              </m:r>
-                            </m:e>
-                            <m:sub>
-                              <m:r>
-                                <a:rPr lang="en-US" sz="1800">
-                                  <a:latin typeface="Cambria Math"/>
-                                </a:rPr>
-                                <m:t>1</m:t>
-                              </m:r>
-                            </m:sub>
-                          </m:sSub>
-                          <m:r>
-                            <a:rPr lang="en-US" sz="1800">
-                              <a:latin typeface="Cambria Math"/>
-                            </a:rPr>
-                            <m:t>=0</m:t>
-                          </m:r>
-                        </m:sub>
-                        <m:sup>
-                          <m:f>
-                            <m:fPr>
-                              <m:ctrlPr>
-                                <a:rPr lang="ru-RU" sz="1800" i="1">
-                                  <a:latin typeface="Cambria Math"/>
-                                </a:rPr>
-                              </m:ctrlPr>
-                            </m:fPr>
-                            <m:num>
-                              <m:sSub>
-                                <m:sSubPr>
-                                  <m:ctrlPr>
-                                    <a:rPr lang="ru-RU" sz="1800" i="1">
-                                      <a:latin typeface="Cambria Math"/>
-                                    </a:rPr>
-                                  </m:ctrlPr>
-                                </m:sSubPr>
-                                <m:e>
-                                  <m:r>
-                                    <m:rPr>
-                                      <m:sty m:val="p"/>
-                                    </m:rPr>
-                                    <a:rPr lang="en-US" sz="1800">
-                                      <a:latin typeface="Cambria Math"/>
-                                    </a:rPr>
-                                    <m:t>N</m:t>
-                                  </m:r>
-                                </m:e>
-                                <m:sub>
-                                  <m:r>
-                                    <a:rPr lang="en-US" sz="1800">
-                                      <a:latin typeface="Cambria Math"/>
-                                    </a:rPr>
-                                    <m:t>1</m:t>
-                                  </m:r>
-                                </m:sub>
-                              </m:sSub>
-                            </m:num>
-                            <m:den>
-                              <m:r>
-                                <a:rPr lang="en-US" sz="1800">
-                                  <a:latin typeface="Cambria Math"/>
-                                </a:rPr>
-                                <m:t>2</m:t>
-                              </m:r>
-                            </m:den>
-                          </m:f>
-                        </m:sup>
-                        <m:e>
-                          <m:nary>
-                            <m:naryPr>
-                              <m:chr m:val="∑"/>
-                              <m:limLoc m:val="undOvr"/>
-                              <m:ctrlPr>
-                                <a:rPr lang="ru-RU" sz="1800" i="1">
-                                  <a:latin typeface="Cambria Math"/>
-                                </a:rPr>
-                              </m:ctrlPr>
-                            </m:naryPr>
-                            <m:sub>
-                              <m:sSub>
-                                <m:sSubPr>
-                                  <m:ctrlPr>
-                                    <a:rPr lang="ru-RU" sz="1800" i="1">
-                                      <a:latin typeface="Cambria Math"/>
-                                    </a:rPr>
-                                  </m:ctrlPr>
-                                </m:sSubPr>
-                                <m:e>
-                                  <m:r>
-                                    <m:rPr>
-                                      <m:sty m:val="p"/>
-                                    </m:rPr>
-                                    <a:rPr lang="en-US" sz="1800">
-                                      <a:latin typeface="Cambria Math"/>
-                                    </a:rPr>
-                                    <m:t>k</m:t>
-                                  </m:r>
-                                </m:e>
-                                <m:sub>
-                                  <m:r>
-                                    <a:rPr lang="en-US" sz="1800">
-                                      <a:latin typeface="Cambria Math"/>
-                                    </a:rPr>
-                                    <m:t>2</m:t>
-                                  </m:r>
-                                </m:sub>
-                              </m:sSub>
-                              <m:r>
-                                <a:rPr lang="en-US" sz="1800">
-                                  <a:latin typeface="Cambria Math"/>
-                                </a:rPr>
-                                <m:t>=0</m:t>
-                              </m:r>
-                            </m:sub>
-                            <m:sup>
-                              <m:f>
-                                <m:fPr>
-                                  <m:ctrlPr>
-                                    <a:rPr lang="ru-RU" sz="1800" i="1">
-                                      <a:latin typeface="Cambria Math"/>
-                                    </a:rPr>
-                                  </m:ctrlPr>
-                                </m:fPr>
-                                <m:num>
-                                  <m:sSub>
-                                    <m:sSubPr>
-                                      <m:ctrlPr>
-                                        <a:rPr lang="ru-RU" sz="1800" i="1">
-                                          <a:latin typeface="Cambria Math"/>
-                                        </a:rPr>
-                                      </m:ctrlPr>
-                                    </m:sSubPr>
-                                    <m:e>
-                                      <m:r>
-                                        <m:rPr>
-                                          <m:sty m:val="p"/>
-                                        </m:rPr>
-                                        <a:rPr lang="en-US" sz="1800">
-                                          <a:latin typeface="Cambria Math"/>
-                                        </a:rPr>
-                                        <m:t>N</m:t>
-                                      </m:r>
-                                    </m:e>
-                                    <m:sub>
-                                      <m:r>
-                                        <a:rPr lang="en-US" sz="1800">
-                                          <a:latin typeface="Cambria Math"/>
-                                        </a:rPr>
-                                        <m:t>2</m:t>
-                                      </m:r>
-                                    </m:sub>
-                                  </m:sSub>
-                                </m:num>
-                                <m:den>
-                                  <m:r>
-                                    <a:rPr lang="en-US" sz="1800">
-                                      <a:latin typeface="Cambria Math"/>
-                                    </a:rPr>
-                                    <m:t>2</m:t>
-                                  </m:r>
-                                </m:den>
-                              </m:f>
-                            </m:sup>
-                            <m:e>
-                              <m:sSub>
-                                <m:sSubPr>
-                                  <m:ctrlPr>
-                                    <a:rPr lang="ru-RU" sz="1800" i="1">
-                                      <a:latin typeface="Cambria Math"/>
-                                    </a:rPr>
-                                  </m:ctrlPr>
-                                </m:sSubPr>
-                                <m:e>
-                                  <m:r>
-                                    <m:rPr>
-                                      <m:sty m:val="p"/>
-                                    </m:rPr>
-                                    <a:rPr lang="en-US" sz="1800">
-                                      <a:latin typeface="Cambria Math"/>
-                                    </a:rPr>
-                                    <m:t>X</m:t>
-                                  </m:r>
-                                </m:e>
-                                <m:sub>
-                                  <m:r>
-                                    <m:rPr>
-                                      <m:sty m:val="p"/>
-                                    </m:rPr>
-                                    <a:rPr lang="en-US" sz="1800">
-                                      <a:latin typeface="Cambria Math"/>
-                                    </a:rPr>
-                                    <m:t>F</m:t>
-                                  </m:r>
-                                </m:sub>
-                              </m:sSub>
-                              <m:d>
-                                <m:dPr>
-                                  <m:ctrlPr>
-                                    <a:rPr lang="ru-RU" sz="1800" i="1">
-                                      <a:latin typeface="Cambria Math"/>
-                                    </a:rPr>
-                                  </m:ctrlPr>
-                                </m:dPr>
-                                <m:e>
-                                  <m:sSub>
-                                    <m:sSubPr>
-                                      <m:ctrlPr>
-                                        <a:rPr lang="ru-RU" sz="1800" i="1">
-                                          <a:latin typeface="Cambria Math"/>
-                                        </a:rPr>
-                                      </m:ctrlPr>
-                                    </m:sSubPr>
-                                    <m:e>
-                                      <m:r>
-                                        <m:rPr>
-                                          <m:sty m:val="p"/>
-                                        </m:rPr>
-                                        <a:rPr lang="en-US" sz="1800">
-                                          <a:latin typeface="Cambria Math"/>
-                                        </a:rPr>
-                                        <m:t>k</m:t>
-                                      </m:r>
-                                    </m:e>
-                                    <m:sub>
-                                      <m:r>
-                                        <a:rPr lang="en-US" sz="1800">
-                                          <a:latin typeface="Cambria Math"/>
-                                        </a:rPr>
-                                        <m:t>1</m:t>
-                                      </m:r>
-                                    </m:sub>
-                                  </m:sSub>
-                                  <m:r>
-                                    <a:rPr lang="en-US" sz="1800">
-                                      <a:latin typeface="Cambria Math"/>
-                                    </a:rPr>
-                                    <m:t>, </m:t>
-                                  </m:r>
-                                  <m:sSub>
-                                    <m:sSubPr>
-                                      <m:ctrlPr>
-                                        <a:rPr lang="ru-RU" sz="1800" i="1">
-                                          <a:latin typeface="Cambria Math"/>
-                                        </a:rPr>
-                                      </m:ctrlPr>
-                                    </m:sSubPr>
-                                    <m:e>
-                                      <m:r>
-                                        <m:rPr>
-                                          <m:sty m:val="p"/>
-                                        </m:rPr>
-                                        <a:rPr lang="en-US" sz="1800">
-                                          <a:latin typeface="Cambria Math"/>
-                                        </a:rPr>
-                                        <m:t>k</m:t>
-                                      </m:r>
-                                    </m:e>
-                                    <m:sub>
-                                      <m:r>
-                                        <a:rPr lang="en-US" sz="1800">
-                                          <a:latin typeface="Cambria Math"/>
-                                        </a:rPr>
-                                        <m:t>2</m:t>
-                                      </m:r>
-                                    </m:sub>
-                                  </m:sSub>
-                                </m:e>
-                              </m:d>
-                              <m:r>
-                                <a:rPr lang="en-US" sz="1800">
-                                  <a:latin typeface="Cambria Math"/>
-                                </a:rPr>
-                                <m:t> </m:t>
-                              </m:r>
-                              <m:r>
-                                <m:rPr>
-                                  <m:sty m:val="p"/>
-                                </m:rPr>
-                                <a:rPr lang="en-US" sz="1800">
-                                  <a:latin typeface="Cambria Math"/>
-                                </a:rPr>
-                                <m:t>exp</m:t>
-                              </m:r>
-                              <m:d>
-                                <m:dPr>
-                                  <m:begChr m:val="["/>
-                                  <m:endChr m:val="]"/>
-                                  <m:ctrlPr>
-                                    <a:rPr lang="ru-RU" sz="1800" i="1">
-                                      <a:latin typeface="Cambria Math"/>
-                                    </a:rPr>
-                                  </m:ctrlPr>
-                                </m:dPr>
-                                <m:e>
-                                  <m:r>
-                                    <m:rPr>
-                                      <m:sty m:val="p"/>
-                                    </m:rPr>
-                                    <a:rPr lang="en-US" sz="1800">
-                                      <a:latin typeface="Cambria Math"/>
-                                    </a:rPr>
-                                    <m:t>j</m:t>
-                                  </m:r>
-                                  <m:r>
-                                    <a:rPr lang="en-US" sz="1800">
-                                      <a:latin typeface="Cambria Math"/>
-                                    </a:rPr>
-                                    <m:t>2</m:t>
-                                  </m:r>
-                                  <m:r>
-                                    <m:rPr>
-                                      <m:sty m:val="p"/>
-                                    </m:rPr>
-                                    <a:rPr lang="en-US" sz="1800">
-                                      <a:latin typeface="Cambria Math"/>
-                                    </a:rPr>
-                                    <m:t>π</m:t>
-                                  </m:r>
-                                  <m:d>
-                                    <m:dPr>
-                                      <m:ctrlPr>
-                                        <a:rPr lang="ru-RU" sz="1800" i="1">
-                                          <a:latin typeface="Cambria Math"/>
-                                        </a:rPr>
-                                      </m:ctrlPr>
-                                    </m:dPr>
-                                    <m:e>
-                                      <m:f>
-                                        <m:fPr>
-                                          <m:ctrlPr>
-                                            <a:rPr lang="ru-RU" sz="1800" i="1">
-                                              <a:latin typeface="Cambria Math"/>
-                                            </a:rPr>
-                                          </m:ctrlPr>
-                                        </m:fPr>
-                                        <m:num>
-                                          <m:sSub>
-                                            <m:sSubPr>
-                                              <m:ctrlPr>
-                                                <a:rPr lang="ru-RU" sz="1800" i="1">
-                                                  <a:latin typeface="Cambria Math"/>
-                                                </a:rPr>
-                                              </m:ctrlPr>
-                                            </m:sSubPr>
-                                            <m:e>
-                                              <m:r>
-                                                <m:rPr>
-                                                  <m:sty m:val="p"/>
-                                                </m:rPr>
-                                                <a:rPr lang="en-US" sz="1800">
-                                                  <a:latin typeface="Cambria Math"/>
-                                                </a:rPr>
-                                                <m:t>k</m:t>
-                                              </m:r>
-                                            </m:e>
-                                            <m:sub>
-                                              <m:r>
-                                                <a:rPr lang="en-US" sz="1800">
-                                                  <a:latin typeface="Cambria Math"/>
-                                                </a:rPr>
-                                                <m:t>1</m:t>
-                                              </m:r>
-                                            </m:sub>
-                                          </m:sSub>
-                                          <m:sSub>
-                                            <m:sSubPr>
-                                              <m:ctrlPr>
-                                                <a:rPr lang="ru-RU" sz="1800" i="1">
-                                                  <a:latin typeface="Cambria Math"/>
-                                                </a:rPr>
-                                              </m:ctrlPr>
-                                            </m:sSubPr>
-                                            <m:e>
-                                              <m:r>
-                                                <m:rPr>
-                                                  <m:sty m:val="p"/>
-                                                </m:rPr>
-                                                <a:rPr lang="en-US" sz="1800">
-                                                  <a:latin typeface="Cambria Math"/>
-                                                </a:rPr>
-                                                <m:t>i</m:t>
-                                              </m:r>
-                                            </m:e>
-                                            <m:sub>
-                                              <m:r>
-                                                <a:rPr lang="en-US" sz="1800">
-                                                  <a:latin typeface="Cambria Math"/>
-                                                </a:rPr>
-                                                <m:t>1</m:t>
-                                              </m:r>
-                                            </m:sub>
-                                          </m:sSub>
-                                        </m:num>
-                                        <m:den>
-                                          <m:sSub>
-                                            <m:sSubPr>
-                                              <m:ctrlPr>
-                                                <a:rPr lang="ru-RU" sz="1800" i="1">
-                                                  <a:latin typeface="Cambria Math"/>
-                                                </a:rPr>
-                                              </m:ctrlPr>
-                                            </m:sSubPr>
-                                            <m:e>
-                                              <m:r>
-                                                <m:rPr>
-                                                  <m:sty m:val="p"/>
-                                                </m:rPr>
-                                                <a:rPr lang="en-US" sz="1800">
-                                                  <a:latin typeface="Cambria Math"/>
-                                                </a:rPr>
-                                                <m:t>T</m:t>
-                                              </m:r>
-                                            </m:e>
-                                            <m:sub>
-                                              <m:r>
-                                                <a:rPr lang="en-US" sz="1800">
-                                                  <a:latin typeface="Cambria Math"/>
-                                                </a:rPr>
-                                                <m:t>1</m:t>
-                                              </m:r>
-                                            </m:sub>
-                                          </m:sSub>
-                                        </m:den>
-                                      </m:f>
-                                      <m:r>
-                                        <a:rPr lang="en-US" sz="1800">
-                                          <a:latin typeface="Cambria Math"/>
-                                        </a:rPr>
-                                        <m:t>+</m:t>
-                                      </m:r>
-                                      <m:f>
-                                        <m:fPr>
-                                          <m:ctrlPr>
-                                            <a:rPr lang="ru-RU" sz="1800" i="1">
-                                              <a:latin typeface="Cambria Math"/>
-                                            </a:rPr>
-                                          </m:ctrlPr>
-                                        </m:fPr>
-                                        <m:num>
-                                          <m:sSub>
-                                            <m:sSubPr>
-                                              <m:ctrlPr>
-                                                <a:rPr lang="ru-RU" sz="1800" i="1">
-                                                  <a:latin typeface="Cambria Math"/>
-                                                </a:rPr>
-                                              </m:ctrlPr>
-                                            </m:sSubPr>
-                                            <m:e>
-                                              <m:r>
-                                                <m:rPr>
-                                                  <m:sty m:val="p"/>
-                                                </m:rPr>
-                                                <a:rPr lang="en-US" sz="1800">
-                                                  <a:latin typeface="Cambria Math"/>
-                                                </a:rPr>
-                                                <m:t>k</m:t>
-                                              </m:r>
-                                            </m:e>
-                                            <m:sub>
-                                              <m:r>
-                                                <a:rPr lang="en-US" sz="1800">
-                                                  <a:latin typeface="Cambria Math"/>
-                                                </a:rPr>
-                                                <m:t>2</m:t>
-                                              </m:r>
-                                            </m:sub>
-                                          </m:sSub>
-                                          <m:sSub>
-                                            <m:sSubPr>
-                                              <m:ctrlPr>
-                                                <a:rPr lang="ru-RU" sz="1800" i="1">
-                                                  <a:latin typeface="Cambria Math"/>
-                                                </a:rPr>
-                                              </m:ctrlPr>
-                                            </m:sSubPr>
-                                            <m:e>
-                                              <m:r>
-                                                <m:rPr>
-                                                  <m:sty m:val="p"/>
-                                                </m:rPr>
-                                                <a:rPr lang="en-US" sz="1800">
-                                                  <a:latin typeface="Cambria Math"/>
-                                                </a:rPr>
-                                                <m:t>i</m:t>
-                                              </m:r>
-                                            </m:e>
-                                            <m:sub>
-                                              <m:r>
-                                                <a:rPr lang="en-US" sz="1800">
-                                                  <a:latin typeface="Cambria Math"/>
-                                                </a:rPr>
-                                                <m:t>2</m:t>
-                                              </m:r>
-                                            </m:sub>
-                                          </m:sSub>
-                                        </m:num>
-                                        <m:den>
-                                          <m:sSub>
-                                            <m:sSubPr>
-                                              <m:ctrlPr>
-                                                <a:rPr lang="ru-RU" sz="1800" i="1">
-                                                  <a:latin typeface="Cambria Math"/>
-                                                </a:rPr>
-                                              </m:ctrlPr>
-                                            </m:sSubPr>
-                                            <m:e>
-                                              <m:r>
-                                                <m:rPr>
-                                                  <m:sty m:val="p"/>
-                                                </m:rPr>
-                                                <a:rPr lang="en-US" sz="1800">
-                                                  <a:latin typeface="Cambria Math"/>
-                                                </a:rPr>
-                                                <m:t>T</m:t>
-                                              </m:r>
-                                            </m:e>
-                                            <m:sub>
-                                              <m:r>
-                                                <a:rPr lang="en-US" sz="1800">
-                                                  <a:latin typeface="Cambria Math"/>
-                                                </a:rPr>
-                                                <m:t>2</m:t>
-                                              </m:r>
-                                            </m:sub>
-                                          </m:sSub>
-                                        </m:den>
-                                      </m:f>
-                                    </m:e>
-                                  </m:d>
-                                </m:e>
-                              </m:d>
-                            </m:e>
-                          </m:nary>
-                        </m:e>
-                      </m:nary>
-                      <m:r>
-                        <a:rPr lang="en-US" sz="1800">
-                          <a:latin typeface="Cambria Math"/>
-                        </a:rPr>
-                        <m:t>, </m:t>
-                      </m:r>
-                      <m:sSub>
-                        <m:sSubPr>
-                          <m:ctrlPr>
-                            <a:rPr lang="ru-RU" sz="1800" i="1">
-                              <a:latin typeface="Cambria Math"/>
-                            </a:rPr>
-                          </m:ctrlPr>
-                        </m:sSubPr>
-                        <m:e>
-                          <m:r>
-                            <m:rPr>
-                              <m:sty m:val="p"/>
-                            </m:rPr>
-                            <a:rPr lang="en-US" sz="1800">
-                              <a:latin typeface="Cambria Math"/>
-                            </a:rPr>
-                            <m:t>i</m:t>
-                          </m:r>
-                        </m:e>
-                        <m:sub>
-                          <m:r>
-                            <a:rPr lang="en-US" sz="1800">
-                              <a:latin typeface="Cambria Math"/>
-                            </a:rPr>
-                            <m:t>1</m:t>
-                          </m:r>
-                        </m:sub>
-                      </m:sSub>
-                      <m:r>
-                        <a:rPr lang="en-US" sz="1800">
-                          <a:latin typeface="Cambria Math"/>
-                        </a:rPr>
-                        <m:t>∈</m:t>
-                      </m:r>
-                      <m:d>
-                        <m:dPr>
-                          <m:begChr m:val="["/>
-                          <m:ctrlPr>
-                            <a:rPr lang="ru-RU" sz="1800" i="1">
-                              <a:latin typeface="Cambria Math"/>
-                            </a:rPr>
-                          </m:ctrlPr>
-                        </m:dPr>
-                        <m:e>
-                          <m:r>
-                            <a:rPr lang="en-US" sz="1800">
-                              <a:latin typeface="Cambria Math"/>
-                            </a:rPr>
-                            <m:t>0,</m:t>
-                          </m:r>
-                          <m:sSub>
-                            <m:sSubPr>
-                              <m:ctrlPr>
-                                <a:rPr lang="ru-RU" sz="1800" i="1">
-                                  <a:latin typeface="Cambria Math"/>
-                                </a:rPr>
-                              </m:ctrlPr>
-                            </m:sSubPr>
-                            <m:e>
-                              <m:r>
-                                <m:rPr>
-                                  <m:sty m:val="p"/>
-                                </m:rPr>
-                                <a:rPr lang="en-US" sz="1800">
-                                  <a:latin typeface="Cambria Math"/>
-                                </a:rPr>
-                                <m:t>N</m:t>
-                              </m:r>
-                            </m:e>
-                            <m:sub>
-                              <m:r>
-                                <a:rPr lang="en-US" sz="1800">
-                                  <a:latin typeface="Cambria Math"/>
-                                </a:rPr>
-                                <m:t>1</m:t>
-                              </m:r>
-                            </m:sub>
-                          </m:sSub>
-                        </m:e>
-                      </m:d>
-                      <m:r>
-                        <a:rPr lang="en-US" sz="1800">
-                          <a:latin typeface="Cambria Math"/>
-                        </a:rPr>
-                        <m:t>, </m:t>
-                      </m:r>
-                      <m:sSub>
-                        <m:sSubPr>
-                          <m:ctrlPr>
-                            <a:rPr lang="ru-RU" sz="1800" i="1">
-                              <a:latin typeface="Cambria Math"/>
-                            </a:rPr>
-                          </m:ctrlPr>
-                        </m:sSubPr>
-                        <m:e>
-                          <m:r>
-                            <m:rPr>
-                              <m:sty m:val="p"/>
-                            </m:rPr>
-                            <a:rPr lang="en-US" sz="1800">
-                              <a:latin typeface="Cambria Math"/>
-                            </a:rPr>
-                            <m:t>i</m:t>
-                          </m:r>
-                        </m:e>
-                        <m:sub>
-                          <m:r>
-                            <a:rPr lang="en-US" sz="1800">
-                              <a:latin typeface="Cambria Math"/>
-                            </a:rPr>
-                            <m:t>2</m:t>
-                          </m:r>
-                        </m:sub>
-                      </m:sSub>
-                      <m:r>
-                        <a:rPr lang="en-US" sz="1800">
-                          <a:latin typeface="Cambria Math"/>
-                        </a:rPr>
-                        <m:t>∈</m:t>
-                      </m:r>
-                      <m:d>
-                        <m:dPr>
-                          <m:begChr m:val="["/>
-                          <m:ctrlPr>
-                            <a:rPr lang="ru-RU" sz="1800" i="1">
-                              <a:latin typeface="Cambria Math"/>
-                            </a:rPr>
-                          </m:ctrlPr>
-                        </m:dPr>
-                        <m:e>
-                          <m:r>
-                            <a:rPr lang="en-US" sz="1800">
-                              <a:latin typeface="Cambria Math"/>
-                            </a:rPr>
-                            <m:t>0,</m:t>
-                          </m:r>
-                          <m:sSub>
-                            <m:sSubPr>
-                              <m:ctrlPr>
-                                <a:rPr lang="ru-RU" sz="1800" i="1">
-                                  <a:latin typeface="Cambria Math"/>
-                                </a:rPr>
-                              </m:ctrlPr>
-                            </m:sSubPr>
-                            <m:e>
-                              <m:r>
-                                <m:rPr>
-                                  <m:sty m:val="p"/>
-                                </m:rPr>
-                                <a:rPr lang="en-US" sz="1800">
-                                  <a:latin typeface="Cambria Math"/>
-                                </a:rPr>
-                                <m:t>N</m:t>
-                              </m:r>
-                            </m:e>
-                            <m:sub>
-                              <m:r>
-                                <a:rPr lang="en-US" sz="1800">
-                                  <a:latin typeface="Cambria Math"/>
-                                </a:rPr>
-                                <m:t>2</m:t>
-                              </m:r>
-                            </m:sub>
-                          </m:sSub>
-                        </m:e>
-                      </m:d>
-                      <m:r>
-                        <a:rPr lang="en-US" sz="1800">
-                          <a:latin typeface="Cambria Math"/>
-                        </a:rPr>
-                        <m:t>.</m:t>
-                      </m:r>
-                    </m:oMath>
-                  </m:oMathPara>
-                </a14:m>
-                <a:endParaRPr lang="ru-RU" sz="1800" dirty="0"/>
-              </a:p>
-              <a:p>
-                <a:pPr marL="0" indent="0">
-                  <a:buNone/>
-                </a:pPr>
-                <a:endParaRPr lang="en-US" sz="2000" dirty="0" smtClean="0"/>
-              </a:p>
-            </p:txBody>
-          </p:sp>
-        </mc:Choice>
-        <mc:Fallback xmlns="">
-          <p:sp>
-            <p:nvSpPr>
-              <p:cNvPr id="3" name="Объект 2"/>
-              <p:cNvSpPr>
-                <a:spLocks noGrp="1" noRot="1" noChangeAspect="1" noMove="1" noResize="1" noEditPoints="1" noAdjustHandles="1" noChangeArrowheads="1" noChangeShapeType="1" noTextEdit="1"/>
-              </p:cNvSpPr>
-              <p:nvPr>
-                <p:ph idx="1"/>
-              </p:nvPr>
-            </p:nvSpPr>
-            <p:spPr>
-              <a:xfrm>
-                <a:off x="457200" y="1340768"/>
-                <a:ext cx="8229600" cy="4968552"/>
-              </a:xfrm>
-              <a:blipFill rotWithShape="1">
-                <a:blip r:embed="rId2"/>
-                <a:stretch>
-                  <a:fillRect l="-741" t="-613"/>
-                </a:stretch>
-              </a:blipFill>
-            </p:spPr>
-            <p:txBody>
-              <a:bodyPr/>
-              <a:lstStyle/>
-              <a:p>
-                <a:r>
-                  <a:rPr lang="ru-RU">
-                    <a:noFill/>
-                  </a:rPr>
-                  <a:t> </a:t>
-                </a:r>
-              </a:p>
-            </p:txBody>
-          </p:sp>
-        </mc:Fallback>
-      </mc:AlternateContent>
-    </p:spTree>
-    <p:extLst>
-      <p:ext uri="{BB962C8B-B14F-4D97-AF65-F5344CB8AC3E}">
-        <p14:creationId xmlns:p14="http://schemas.microsoft.com/office/powerpoint/2010/main" val="1375887627"/>
-      </p:ext>
-    </p:extLst>
-  </p:cSld>
-  <p:clrMapOvr>
-    <a:masterClrMapping/>
-  </p:clrMapOvr>
-  <p:timing>
-    <p:tnLst>
-      <p:par>
-        <p:cTn id="1" dur="indefinite" restart="never" nodeType="tmRoot"/>
-      </p:par>
-    </p:tnLst>
-  </p:timing>
-</p:sld>
-</file>
-
-<file path=ppt/slides/slide26.xml><?xml version="1.0" encoding="utf-8"?>
 <p:sld xmlns:a="http://schemas.openxmlformats.org/drawingml/2006/main" xmlns:r="http://schemas.openxmlformats.org/officeDocument/2006/relationships" xmlns:p="http://schemas.openxmlformats.org/presentationml/2006/main">
   <p:cSld>
     <p:spTree>
@@ -18396,7 +16324,7 @@
 </p:sld>
 </file>
 
-<file path=ppt/slides/slide27.xml><?xml version="1.0" encoding="utf-8"?>
+<file path=ppt/slides/slide26.xml><?xml version="1.0" encoding="utf-8"?>
 <p:sld xmlns:a="http://schemas.openxmlformats.org/drawingml/2006/main" xmlns:r="http://schemas.openxmlformats.org/officeDocument/2006/relationships" xmlns:p="http://schemas.openxmlformats.org/presentationml/2006/main">
   <p:cSld>
     <p:spTree>
@@ -18580,7 +16508,7 @@
 </p:sld>
 </file>
 
-<file path=ppt/slides/slide28.xml><?xml version="1.0" encoding="utf-8"?>
+<file path=ppt/slides/slide27.xml><?xml version="1.0" encoding="utf-8"?>
 <p:sld xmlns:a="http://schemas.openxmlformats.org/drawingml/2006/main" xmlns:r="http://schemas.openxmlformats.org/officeDocument/2006/relationships" xmlns:p="http://schemas.openxmlformats.org/presentationml/2006/main">
   <p:cSld>
     <p:spTree>
@@ -18789,7 +16717,7 @@
 </p:sld>
 </file>
 
-<file path=ppt/slides/slide29.xml><?xml version="1.0" encoding="utf-8"?>
+<file path=ppt/slides/slide28.xml><?xml version="1.0" encoding="utf-8"?>
 <p:sld xmlns:a="http://schemas.openxmlformats.org/drawingml/2006/main" xmlns:r="http://schemas.openxmlformats.org/officeDocument/2006/relationships" xmlns:p="http://schemas.openxmlformats.org/presentationml/2006/main">
   <p:cSld>
     <p:spTree>
@@ -18998,6 +16926,110 @@
 </p:sld>
 </file>
 
+<file path=ppt/slides/slide29.xml><?xml version="1.0" encoding="utf-8"?>
+<p:sld xmlns:a="http://schemas.openxmlformats.org/drawingml/2006/main" xmlns:r="http://schemas.openxmlformats.org/officeDocument/2006/relationships" xmlns:p="http://schemas.openxmlformats.org/presentationml/2006/main">
+  <p:cSld>
+    <p:spTree>
+      <p:nvGrpSpPr>
+        <p:cNvPr id="1" name=""/>
+        <p:cNvGrpSpPr/>
+        <p:nvPr/>
+      </p:nvGrpSpPr>
+      <p:grpSpPr>
+        <a:xfrm>
+          <a:off x="0" y="0"/>
+          <a:ext cx="0" cy="0"/>
+          <a:chOff x="0" y="0"/>
+          <a:chExt cx="0" cy="0"/>
+        </a:xfrm>
+      </p:grpSpPr>
+      <p:sp>
+        <p:nvSpPr>
+          <p:cNvPr id="2" name="Заголовок 1"/>
+          <p:cNvSpPr>
+            <a:spLocks noGrp="1"/>
+          </p:cNvSpPr>
+          <p:nvPr>
+            <p:ph type="ctrTitle"/>
+          </p:nvPr>
+        </p:nvSpPr>
+        <p:spPr>
+          <a:xfrm>
+            <a:off x="685800" y="2693988"/>
+            <a:ext cx="7772400" cy="1470025"/>
+          </a:xfrm>
+        </p:spPr>
+        <p:txBody>
+          <a:bodyPr/>
+          <a:lstStyle/>
+          <a:p>
+            <a:r>
+              <a:rPr lang="en-US" dirty="0" smtClean="0"/>
+              <a:t>Thanks!</a:t>
+            </a:r>
+            <a:endParaRPr lang="ru-RU" dirty="0"/>
+          </a:p>
+        </p:txBody>
+      </p:sp>
+      <p:pic>
+        <p:nvPicPr>
+          <p:cNvPr id="6" name="Picture 2" descr="https://slavtkani.ru/image/cache/data/hlopok/cvety-iv/IMG_7698-800x6001.JPG"/>
+          <p:cNvPicPr>
+            <a:picLocks noChangeAspect="1" noChangeArrowheads="1"/>
+          </p:cNvPicPr>
+          <p:nvPr/>
+        </p:nvPicPr>
+        <p:blipFill rotWithShape="1">
+          <a:blip r:embed="rId3">
+            <a:extLst>
+              <a:ext uri="{28A0092B-C50C-407E-A947-70E740481C1C}">
+                <a14:useLocalDpi xmlns:a14="http://schemas.microsoft.com/office/drawing/2010/main" val="0"/>
+              </a:ext>
+            </a:extLst>
+          </a:blip>
+          <a:srcRect l="9947" t="2053" b="88852"/>
+          <a:stretch/>
+        </p:blipFill>
+        <p:spPr bwMode="auto">
+          <a:xfrm rot="16200000">
+            <a:off x="-3215113" y="3171155"/>
+            <a:ext cx="6862069" cy="519760"/>
+          </a:xfrm>
+          <a:prstGeom prst="rect">
+            <a:avLst/>
+          </a:prstGeom>
+          <a:noFill/>
+          <a:extLst>
+            <a:ext uri="{909E8E84-426E-40DD-AFC4-6F175D3DCCD1}">
+              <a14:hiddenFill xmlns:a14="http://schemas.microsoft.com/office/drawing/2010/main">
+                <a:solidFill>
+                  <a:srgbClr val="FFFFFF"/>
+                </a:solidFill>
+              </a14:hiddenFill>
+            </a:ext>
+          </a:extLst>
+        </p:spPr>
+      </p:pic>
+    </p:spTree>
+    <p:extLst>
+      <p:ext uri="{BB962C8B-B14F-4D97-AF65-F5344CB8AC3E}">
+        <p14:creationId xmlns:p14="http://schemas.microsoft.com/office/powerpoint/2010/main" val="1735263013"/>
+      </p:ext>
+    </p:extLst>
+  </p:cSld>
+  <p:clrMapOvr>
+    <a:masterClrMapping/>
+  </p:clrMapOvr>
+  <p:timing>
+    <p:tnLst>
+      <p:par>
+        <p:cTn id="1" dur="indefinite" restart="never" nodeType="tmRoot"/>
+      </p:par>
+    </p:tnLst>
+  </p:timing>
+</p:sld>
+</file>
+
 <file path=ppt/slides/slide3.xml><?xml version="1.0" encoding="utf-8"?>
 <p:sld xmlns:a="http://schemas.openxmlformats.org/drawingml/2006/main" xmlns:r="http://schemas.openxmlformats.org/officeDocument/2006/relationships" xmlns:p="http://schemas.openxmlformats.org/presentationml/2006/main">
   <p:cSld>
@@ -19427,125 +17459,6 @@
     <p:extLst>
       <p:ext uri="{BB962C8B-B14F-4D97-AF65-F5344CB8AC3E}">
         <p14:creationId xmlns:p14="http://schemas.microsoft.com/office/powerpoint/2010/main" val="1072832195"/>
-      </p:ext>
-    </p:extLst>
-  </p:cSld>
-  <p:clrMapOvr>
-    <a:masterClrMapping/>
-  </p:clrMapOvr>
-  <p:timing>
-    <p:tnLst>
-      <p:par>
-        <p:cTn id="1" dur="indefinite" restart="never" nodeType="tmRoot"/>
-      </p:par>
-    </p:tnLst>
-  </p:timing>
-</p:sld>
-</file>
-
-<file path=ppt/slides/slide30.xml><?xml version="1.0" encoding="utf-8"?>
-<p:sld xmlns:a="http://schemas.openxmlformats.org/drawingml/2006/main" xmlns:r="http://schemas.openxmlformats.org/officeDocument/2006/relationships" xmlns:p="http://schemas.openxmlformats.org/presentationml/2006/main">
-  <p:cSld>
-    <p:spTree>
-      <p:nvGrpSpPr>
-        <p:cNvPr id="1" name=""/>
-        <p:cNvGrpSpPr/>
-        <p:nvPr/>
-      </p:nvGrpSpPr>
-      <p:grpSpPr>
-        <a:xfrm>
-          <a:off x="0" y="0"/>
-          <a:ext cx="0" cy="0"/>
-          <a:chOff x="0" y="0"/>
-          <a:chExt cx="0" cy="0"/>
-        </a:xfrm>
-      </p:grpSpPr>
-      <p:pic>
-        <p:nvPicPr>
-          <p:cNvPr id="4" name="Picture 3"/>
-          <p:cNvPicPr>
-            <a:picLocks noChangeAspect="1" noChangeArrowheads="1"/>
-          </p:cNvPicPr>
-          <p:nvPr/>
-        </p:nvPicPr>
-        <p:blipFill>
-          <a:blip r:embed="rId3">
-            <a:extLst>
-              <a:ext uri="{28A0092B-C50C-407E-A947-70E740481C1C}">
-                <a14:useLocalDpi xmlns:a14="http://schemas.microsoft.com/office/drawing/2010/main" val="0"/>
-              </a:ext>
-            </a:extLst>
-          </a:blip>
-          <a:srcRect/>
-          <a:stretch>
-            <a:fillRect/>
-          </a:stretch>
-        </p:blipFill>
-        <p:spPr bwMode="auto">
-          <a:xfrm>
-            <a:off x="-6339" y="-782"/>
-            <a:ext cx="519758" cy="6858782"/>
-          </a:xfrm>
-          <a:prstGeom prst="rect">
-            <a:avLst/>
-          </a:prstGeom>
-          <a:noFill/>
-          <a:ln>
-            <a:noFill/>
-          </a:ln>
-          <a:extLst>
-            <a:ext uri="{909E8E84-426E-40DD-AFC4-6F175D3DCCD1}">
-              <a14:hiddenFill xmlns:a14="http://schemas.microsoft.com/office/drawing/2010/main">
-                <a:solidFill>
-                  <a:schemeClr val="accent1"/>
-                </a:solidFill>
-              </a14:hiddenFill>
-            </a:ext>
-            <a:ext uri="{91240B29-F687-4F45-9708-019B960494DF}">
-              <a14:hiddenLine xmlns:a14="http://schemas.microsoft.com/office/drawing/2010/main" w="9525">
-                <a:solidFill>
-                  <a:schemeClr val="tx1"/>
-                </a:solidFill>
-                <a:miter lim="800000"/>
-                <a:headEnd/>
-                <a:tailEnd/>
-              </a14:hiddenLine>
-            </a:ext>
-          </a:extLst>
-        </p:spPr>
-      </p:pic>
-      <p:sp>
-        <p:nvSpPr>
-          <p:cNvPr id="2" name="Заголовок 1"/>
-          <p:cNvSpPr>
-            <a:spLocks noGrp="1"/>
-          </p:cNvSpPr>
-          <p:nvPr>
-            <p:ph type="ctrTitle"/>
-          </p:nvPr>
-        </p:nvSpPr>
-        <p:spPr>
-          <a:xfrm>
-            <a:off x="685800" y="2693988"/>
-            <a:ext cx="7772400" cy="1470025"/>
-          </a:xfrm>
-        </p:spPr>
-        <p:txBody>
-          <a:bodyPr/>
-          <a:lstStyle/>
-          <a:p>
-            <a:r>
-              <a:rPr lang="en-US" dirty="0" smtClean="0"/>
-              <a:t>Thanks!</a:t>
-            </a:r>
-            <a:endParaRPr lang="ru-RU" dirty="0"/>
-          </a:p>
-        </p:txBody>
-      </p:sp>
-    </p:spTree>
-    <p:extLst>
-      <p:ext uri="{BB962C8B-B14F-4D97-AF65-F5344CB8AC3E}">
-        <p14:creationId xmlns:p14="http://schemas.microsoft.com/office/powerpoint/2010/main" val="1735263013"/>
       </p:ext>
     </p:extLst>
   </p:cSld>
